--- a/lesson03.pptx
+++ b/lesson03.pptx
@@ -5,7 +5,7 @@
     <p:sldMasterId id="2147483648" r:id="rId1"/>
   </p:sldMasterIdLst>
   <p:notesMasterIdLst>
-    <p:notesMasterId r:id="rId31"/>
+    <p:notesMasterId r:id="rId33"/>
   </p:notesMasterIdLst>
   <p:sldIdLst>
     <p:sldId id="423" r:id="rId2"/>
@@ -32,11 +32,13 @@
     <p:sldId id="434" r:id="rId23"/>
     <p:sldId id="440" r:id="rId24"/>
     <p:sldId id="441" r:id="rId25"/>
-    <p:sldId id="429" r:id="rId26"/>
-    <p:sldId id="430" r:id="rId27"/>
-    <p:sldId id="432" r:id="rId28"/>
-    <p:sldId id="399" r:id="rId29"/>
-    <p:sldId id="437" r:id="rId30"/>
+    <p:sldId id="442" r:id="rId26"/>
+    <p:sldId id="443" r:id="rId27"/>
+    <p:sldId id="429" r:id="rId28"/>
+    <p:sldId id="430" r:id="rId29"/>
+    <p:sldId id="432" r:id="rId30"/>
+    <p:sldId id="399" r:id="rId31"/>
+    <p:sldId id="437" r:id="rId32"/>
   </p:sldIdLst>
   <p:sldSz cx="12192000" cy="6858000"/>
   <p:notesSz cx="6858000" cy="9144000"/>
@@ -157,6 +159,7 @@
 <file path=ppt/revisionInfo.xml><?xml version="1.0" encoding="utf-8"?>
 <p1510:revInfo xmlns:a="http://schemas.openxmlformats.org/drawingml/2006/main" xmlns:r="http://schemas.openxmlformats.org/officeDocument/2006/relationships" xmlns:p1510="http://schemas.microsoft.com/office/powerpoint/2015/10/main">
   <p1510:revLst>
+    <p1510:client id="{2F8F9F80-C6B2-4070-94A7-BA44FFDF245B}" v="3" dt="2021-02-10T20:59:47.885"/>
     <p1510:client id="{9B3C616B-A880-49D9-B1FE-9545B26140D1}" v="15" dt="2021-02-10T20:50:57.266"/>
   </p1510:revLst>
 </p1510:revInfo>
@@ -164,6 +167,93 @@
 
 <file path=ppt/changesInfos/changesInfo1.xml><?xml version="1.0" encoding="utf-8"?>
 <pc:chgInfo xmlns:a="http://schemas.openxmlformats.org/drawingml/2006/main" xmlns:r="http://schemas.openxmlformats.org/officeDocument/2006/relationships" xmlns:ac="http://schemas.microsoft.com/office/drawing/2013/main/command" xmlns:pc="http://schemas.microsoft.com/office/powerpoint/2013/main/command">
+  <pc:docChgLst>
+    <pc:chgData name="Anatoliy Kigel" userId="7432c6c4687b0a9c" providerId="LiveId" clId="{2F8F9F80-C6B2-4070-94A7-BA44FFDF245B}"/>
+    <pc:docChg chg="custSel addSld modSld">
+      <pc:chgData name="Anatoliy Kigel" userId="7432c6c4687b0a9c" providerId="LiveId" clId="{2F8F9F80-C6B2-4070-94A7-BA44FFDF245B}" dt="2021-02-10T21:02:08.259" v="683" actId="1076"/>
+      <pc:docMkLst>
+        <pc:docMk/>
+      </pc:docMkLst>
+      <pc:sldChg chg="modSp add mod">
+        <pc:chgData name="Anatoliy Kigel" userId="7432c6c4687b0a9c" providerId="LiveId" clId="{2F8F9F80-C6B2-4070-94A7-BA44FFDF245B}" dt="2021-02-10T20:57:29.426" v="3" actId="20577"/>
+        <pc:sldMkLst>
+          <pc:docMk/>
+          <pc:sldMk cId="439336892" sldId="442"/>
+        </pc:sldMkLst>
+        <pc:spChg chg="mod">
+          <ac:chgData name="Anatoliy Kigel" userId="7432c6c4687b0a9c" providerId="LiveId" clId="{2F8F9F80-C6B2-4070-94A7-BA44FFDF245B}" dt="2021-02-10T20:57:29.426" v="3" actId="20577"/>
+          <ac:spMkLst>
+            <pc:docMk/>
+            <pc:sldMk cId="439336892" sldId="442"/>
+            <ac:spMk id="5" creationId="{00000000-0000-0000-0000-000000000000}"/>
+          </ac:spMkLst>
+        </pc:spChg>
+      </pc:sldChg>
+      <pc:sldChg chg="addSp delSp modSp add mod replId">
+        <pc:chgData name="Anatoliy Kigel" userId="7432c6c4687b0a9c" providerId="LiveId" clId="{2F8F9F80-C6B2-4070-94A7-BA44FFDF245B}" dt="2021-02-10T21:02:08.259" v="683" actId="1076"/>
+        <pc:sldMkLst>
+          <pc:docMk/>
+          <pc:sldMk cId="418182098" sldId="443"/>
+        </pc:sldMkLst>
+        <pc:spChg chg="del">
+          <ac:chgData name="Anatoliy Kigel" userId="7432c6c4687b0a9c" providerId="LiveId" clId="{2F8F9F80-C6B2-4070-94A7-BA44FFDF245B}" dt="2021-02-10T20:57:40.057" v="7" actId="478"/>
+          <ac:spMkLst>
+            <pc:docMk/>
+            <pc:sldMk cId="418182098" sldId="443"/>
+            <ac:spMk id="2" creationId="{00000000-0000-0000-0000-000000000000}"/>
+          </ac:spMkLst>
+        </pc:spChg>
+        <pc:spChg chg="add del mod">
+          <ac:chgData name="Anatoliy Kigel" userId="7432c6c4687b0a9c" providerId="LiveId" clId="{2F8F9F80-C6B2-4070-94A7-BA44FFDF245B}" dt="2021-02-10T20:57:34.842" v="6" actId="478"/>
+          <ac:spMkLst>
+            <pc:docMk/>
+            <pc:sldMk cId="418182098" sldId="443"/>
+            <ac:spMk id="4" creationId="{037E62D7-BF06-4102-A470-734C6B87C132}"/>
+          </ac:spMkLst>
+        </pc:spChg>
+        <pc:spChg chg="del">
+          <ac:chgData name="Anatoliy Kigel" userId="7432c6c4687b0a9c" providerId="LiveId" clId="{2F8F9F80-C6B2-4070-94A7-BA44FFDF245B}" dt="2021-02-10T20:57:32.524" v="5" actId="478"/>
+          <ac:spMkLst>
+            <pc:docMk/>
+            <pc:sldMk cId="418182098" sldId="443"/>
+            <ac:spMk id="5" creationId="{00000000-0000-0000-0000-000000000000}"/>
+          </ac:spMkLst>
+        </pc:spChg>
+        <pc:spChg chg="add mod">
+          <ac:chgData name="Anatoliy Kigel" userId="7432c6c4687b0a9c" providerId="LiveId" clId="{2F8F9F80-C6B2-4070-94A7-BA44FFDF245B}" dt="2021-02-10T21:02:08.259" v="683" actId="1076"/>
+          <ac:spMkLst>
+            <pc:docMk/>
+            <pc:sldMk cId="418182098" sldId="443"/>
+            <ac:spMk id="6" creationId="{8A480350-1295-4FAB-B86F-616F3FCDD71A}"/>
+          </ac:spMkLst>
+        </pc:spChg>
+        <pc:spChg chg="del">
+          <ac:chgData name="Anatoliy Kigel" userId="7432c6c4687b0a9c" providerId="LiveId" clId="{2F8F9F80-C6B2-4070-94A7-BA44FFDF245B}" dt="2021-02-10T20:57:41.448" v="8" actId="478"/>
+          <ac:spMkLst>
+            <pc:docMk/>
+            <pc:sldMk cId="418182098" sldId="443"/>
+            <ac:spMk id="7" creationId="{00000000-0000-0000-0000-000000000000}"/>
+          </ac:spMkLst>
+        </pc:spChg>
+        <pc:spChg chg="add del mod">
+          <ac:chgData name="Anatoliy Kigel" userId="7432c6c4687b0a9c" providerId="LiveId" clId="{2F8F9F80-C6B2-4070-94A7-BA44FFDF245B}" dt="2021-02-10T20:59:53.619" v="279"/>
+          <ac:spMkLst>
+            <pc:docMk/>
+            <pc:sldMk cId="418182098" sldId="443"/>
+            <ac:spMk id="8" creationId="{7CF9E193-F416-439F-80C6-2C4B2059455C}"/>
+          </ac:spMkLst>
+        </pc:spChg>
+        <pc:picChg chg="del">
+          <ac:chgData name="Anatoliy Kigel" userId="7432c6c4687b0a9c" providerId="LiveId" clId="{2F8F9F80-C6B2-4070-94A7-BA44FFDF245B}" dt="2021-02-10T20:57:31.418" v="4" actId="478"/>
+          <ac:picMkLst>
+            <pc:docMk/>
+            <pc:sldMk cId="418182098" sldId="443"/>
+            <ac:picMk id="1026" creationId="{88DE0176-A715-4340-9685-C7572CB4E69C}"/>
+          </ac:picMkLst>
+        </pc:picChg>
+      </pc:sldChg>
+    </pc:docChg>
+  </pc:docChgLst>
   <pc:docChgLst>
     <pc:chgData name="Anatoliy Kigel" userId="7432c6c4687b0a9c" providerId="LiveId" clId="{9B3C616B-A880-49D9-B1FE-9545B26140D1}"/>
     <pc:docChg chg="undo custSel addSld delSld modSld sldOrd">
@@ -7534,7 +7624,7 @@
         </p:nvSpPr>
         <p:spPr>
           <a:xfrm>
-            <a:off x="0" y="0"/>
+            <a:off x="10862" y="-3698"/>
             <a:ext cx="12192000" cy="6858000"/>
           </a:xfrm>
           <a:prstGeom prst="rect">
@@ -7567,7 +7657,11 @@
             <a:pPr algn="ctr"/>
             <a:r>
               <a:rPr lang="ru-RU" sz="6000" b="1" dirty="0"/>
-              <a:t>К следующему занятию будет полезно почитать о…</a:t>
+              <a:t>Немного практики</a:t>
+            </a:r>
+            <a:r>
+              <a:rPr lang="en-US" sz="6000" b="1" dirty="0"/>
+              <a:t> #6</a:t>
             </a:r>
             <a:endParaRPr lang="uk-UA" sz="6000" b="1" dirty="0"/>
           </a:p>
@@ -7576,7 +7670,7 @@
     </p:spTree>
     <p:extLst>
       <p:ext uri="{BB962C8B-B14F-4D97-AF65-F5344CB8AC3E}">
-        <p14:creationId xmlns:p14="http://schemas.microsoft.com/office/powerpoint/2010/main" val="597735732"/>
+        <p14:creationId xmlns:p14="http://schemas.microsoft.com/office/powerpoint/2010/main" val="439336892"/>
       </p:ext>
     </p:extLst>
   </p:cSld>
@@ -7605,14 +7699,141 @@
       </p:grpSpPr>
       <p:sp>
         <p:nvSpPr>
-          <p:cNvPr id="3" name="TextBox 2"/>
+          <p:cNvPr id="15" name="Номер слайда 36"/>
+          <p:cNvSpPr txBox="1">
+            <a:spLocks/>
+          </p:cNvSpPr>
+          <p:nvPr/>
+        </p:nvSpPr>
+        <p:spPr>
+          <a:xfrm>
+            <a:off x="11242750" y="6220488"/>
+            <a:ext cx="648072" cy="432048"/>
+          </a:xfrm>
+          <a:prstGeom prst="roundRect">
+            <a:avLst/>
+          </a:prstGeom>
+          <a:ln w="25400" cap="flat" cmpd="sng" algn="ctr">
+            <a:solidFill>
+              <a:schemeClr val="tx2">
+                <a:lumMod val="60000"/>
+                <a:lumOff val="40000"/>
+              </a:schemeClr>
+            </a:solidFill>
+            <a:prstDash val="solid"/>
+          </a:ln>
+        </p:spPr>
+        <p:style>
+          <a:lnRef idx="2">
+            <a:schemeClr val="accent1"/>
+          </a:lnRef>
+          <a:fillRef idx="1">
+            <a:schemeClr val="lt1"/>
+          </a:fillRef>
+          <a:effectRef idx="0">
+            <a:schemeClr val="accent1"/>
+          </a:effectRef>
+          <a:fontRef idx="minor">
+            <a:schemeClr val="dk1"/>
+          </a:fontRef>
+        </p:style>
+        <p:txBody>
+          <a:bodyPr vert="horz" lIns="91440" tIns="45720" rIns="91440" bIns="45720" rtlCol="0" anchor="ctr"/>
+          <a:lstStyle/>
+          <a:p>
+            <a:pPr algn="ctr">
+              <a:defRPr/>
+            </a:pPr>
+            <a:fld id="{6389AA22-90B4-448C-8B6B-C699140D38B9}" type="slidenum">
+              <a:rPr lang="uk-UA" sz="2400" b="1">
+                <a:solidFill>
+                  <a:schemeClr val="bg1">
+                    <a:lumMod val="50000"/>
+                  </a:schemeClr>
+                </a:solidFill>
+              </a:rPr>
+              <a:pPr algn="ctr">
+                <a:defRPr/>
+              </a:pPr>
+              <a:t>26</a:t>
+            </a:fld>
+            <a:endParaRPr lang="uk-UA" sz="2400" b="1" dirty="0">
+              <a:solidFill>
+                <a:schemeClr val="bg1">
+                  <a:lumMod val="50000"/>
+                </a:schemeClr>
+              </a:solidFill>
+            </a:endParaRPr>
+          </a:p>
+        </p:txBody>
+      </p:sp>
+      <p:sp>
+        <p:nvSpPr>
+          <p:cNvPr id="43012" name="Rectangle 4"/>
+          <p:cNvSpPr>
+            <a:spLocks noChangeArrowheads="1"/>
+          </p:cNvSpPr>
+          <p:nvPr/>
+        </p:nvSpPr>
+        <p:spPr bwMode="auto">
+          <a:xfrm>
+            <a:off x="3287689" y="5247293"/>
+            <a:ext cx="65" cy="276999"/>
+          </a:xfrm>
+          <a:prstGeom prst="rect">
+            <a:avLst/>
+          </a:prstGeom>
+          <a:solidFill>
+            <a:srgbClr val="FFFFFF"/>
+          </a:solidFill>
+          <a:ln w="9525">
+            <a:noFill/>
+            <a:miter lim="800000"/>
+            <a:headEnd/>
+            <a:tailEnd/>
+          </a:ln>
+          <a:effectLst/>
+        </p:spPr>
+        <p:txBody>
+          <a:bodyPr vert="horz" wrap="none" lIns="0" tIns="0" rIns="0" bIns="0" numCol="1" anchor="ctr" anchorCtr="0" compatLnSpc="1">
+            <a:prstTxWarp prst="textNoShape">
+              <a:avLst/>
+            </a:prstTxWarp>
+            <a:spAutoFit/>
+          </a:bodyPr>
+          <a:lstStyle/>
+          <a:p>
+            <a:pPr fontAlgn="base">
+              <a:spcBef>
+                <a:spcPct val="0"/>
+              </a:spcBef>
+              <a:spcAft>
+                <a:spcPct val="0"/>
+              </a:spcAft>
+            </a:pPr>
+            <a:endParaRPr lang="ru-RU" dirty="0">
+              <a:latin typeface="Arial" pitchFamily="34" charset="0"/>
+              <a:cs typeface="Arial" pitchFamily="34" charset="0"/>
+            </a:endParaRPr>
+          </a:p>
+        </p:txBody>
+      </p:sp>
+      <p:sp>
+        <p:nvSpPr>
+          <p:cNvPr id="6" name="TextBox 5">
+            <a:extLst>
+              <a:ext uri="{FF2B5EF4-FFF2-40B4-BE49-F238E27FC236}">
+                <a16:creationId xmlns:a16="http://schemas.microsoft.com/office/drawing/2014/main" id="{8A480350-1295-4FAB-B86F-616F3FCDD71A}"/>
+              </a:ext>
+            </a:extLst>
+          </p:cNvPr>
           <p:cNvSpPr txBox="1"/>
           <p:nvPr/>
         </p:nvSpPr>
         <p:spPr>
           <a:xfrm>
-            <a:off x="767408" y="1412776"/>
-            <a:ext cx="11103060" cy="5016758"/>
+            <a:off x="2999656" y="1772816"/>
+            <a:ext cx="6696744" cy="3108543"/>
           </a:xfrm>
           <a:prstGeom prst="rect">
             <a:avLst/>
@@ -7625,173 +7846,34 @@
           </a:bodyPr>
           <a:lstStyle/>
           <a:p>
-            <a:pPr marL="514350" indent="-514350">
-              <a:buAutoNum type="arabicPeriod"/>
-            </a:pPr>
-            <a:r>
-              <a:rPr lang="ru-RU" sz="3200" dirty="0"/>
-              <a:t> </a:t>
-            </a:r>
-            <a:r>
-              <a:rPr lang="ru-RU" sz="3200" b="1" dirty="0"/>
-              <a:t>Функции в </a:t>
-            </a:r>
-            <a:r>
-              <a:rPr lang="en-US" sz="3200" b="1" dirty="0"/>
-              <a:t>JavaScript, </a:t>
-            </a:r>
-            <a:r>
-              <a:rPr lang="ru-RU" sz="3200" b="1" dirty="0"/>
-              <a:t>стрелочные (лямбда) функции</a:t>
-            </a:r>
-            <a:r>
-              <a:rPr lang="ru-RU" sz="3200" dirty="0"/>
-              <a:t>;</a:t>
-            </a:r>
-            <a:br>
-              <a:rPr lang="en-US" sz="3200" dirty="0"/>
-            </a:br>
-            <a:endParaRPr lang="ru-RU" sz="3200" dirty="0"/>
-          </a:p>
-          <a:p>
-            <a:pPr marL="514350" indent="-514350">
-              <a:buAutoNum type="arabicPeriod"/>
-            </a:pPr>
-            <a:r>
-              <a:rPr lang="ru-RU" sz="3200" dirty="0"/>
-              <a:t>Функции </a:t>
-            </a:r>
-            <a:r>
-              <a:rPr lang="en-US" sz="3200" dirty="0" err="1"/>
-              <a:t>setTimeout</a:t>
-            </a:r>
-            <a:r>
-              <a:rPr lang="en-US" sz="3200" dirty="0"/>
-              <a:t>(), </a:t>
-            </a:r>
-            <a:r>
-              <a:rPr lang="en-US" sz="3200" dirty="0" err="1"/>
-              <a:t>setInterval</a:t>
-            </a:r>
-            <a:r>
-              <a:rPr lang="en-US" sz="3200" dirty="0"/>
-              <a:t>();</a:t>
-            </a:r>
-            <a:br>
-              <a:rPr lang="en-US" sz="3200" dirty="0"/>
-            </a:br>
-            <a:endParaRPr lang="en-US" sz="3200" dirty="0"/>
-          </a:p>
-          <a:p>
-            <a:pPr marL="514350" indent="-514350">
-              <a:buAutoNum type="arabicPeriod"/>
-            </a:pPr>
-            <a:r>
-              <a:rPr lang="ru-RU" sz="3200" dirty="0"/>
-              <a:t>Узнать о методах</a:t>
-            </a:r>
-            <a:r>
-              <a:rPr lang="en-US" sz="3200" dirty="0"/>
-              <a:t> </a:t>
-            </a:r>
-            <a:r>
-              <a:rPr lang="ru-RU" sz="3200" dirty="0"/>
-              <a:t>массивов (</a:t>
-            </a:r>
-            <a:r>
-              <a:rPr lang="en-US" sz="3200" dirty="0"/>
-              <a:t>Array</a:t>
-            </a:r>
-            <a:r>
-              <a:rPr lang="ru-RU" sz="3200" dirty="0"/>
-              <a:t>) </a:t>
-            </a:r>
-            <a:r>
-              <a:rPr lang="en-US" sz="3200" dirty="0"/>
-              <a:t>.map(), .filter(), .reduce(), .sort(), .some(), .every();</a:t>
-            </a:r>
-            <a:endParaRPr lang="ru-RU" sz="3200" dirty="0"/>
-          </a:p>
-          <a:p>
-            <a:pPr marL="514350" indent="-514350">
-              <a:buAutoNum type="arabicPeriod"/>
-            </a:pPr>
-            <a:endParaRPr lang="en-US" sz="3200" dirty="0"/>
-          </a:p>
-          <a:p>
-            <a:pPr marL="514350" indent="-514350">
-              <a:buAutoNum type="arabicPeriod"/>
-            </a:pPr>
-            <a:r>
-              <a:rPr lang="ru-RU" sz="3200" dirty="0"/>
-              <a:t>Посмотрите этот ролик: </a:t>
-            </a:r>
-            <a:r>
-              <a:rPr lang="en-US" sz="3200" b="1" dirty="0">
-                <a:hlinkClick r:id="rId2"/>
-              </a:rPr>
-              <a:t>https://youtu.be/8cV4ZvHXQL4</a:t>
-            </a:r>
-            <a:r>
-              <a:rPr lang="ru-RU" sz="3200" b="1" dirty="0"/>
-              <a:t> </a:t>
-            </a:r>
-            <a:r>
-              <a:rPr lang="ru-RU" sz="3200" dirty="0"/>
-              <a:t>(</a:t>
-            </a:r>
-            <a:r>
-              <a:rPr lang="ru-RU" sz="3200" i="1" dirty="0"/>
-              <a:t>да ведущий там странный</a:t>
-            </a:r>
-            <a:r>
-              <a:rPr lang="ru-RU" sz="3200" dirty="0"/>
-              <a:t>).</a:t>
-            </a:r>
-            <a:endParaRPr lang="en-US" sz="3200" dirty="0"/>
-          </a:p>
-          <a:p>
-            <a:pPr marL="514350" indent="-514350">
-              <a:buAutoNum type="arabicPeriod"/>
-            </a:pPr>
-            <a:endParaRPr lang="ru-RU" sz="3200" dirty="0"/>
-          </a:p>
-        </p:txBody>
-      </p:sp>
-      <p:sp>
-        <p:nvSpPr>
-          <p:cNvPr id="5" name="TextBox 4"/>
-          <p:cNvSpPr txBox="1"/>
-          <p:nvPr/>
-        </p:nvSpPr>
-        <p:spPr>
-          <a:xfrm>
-            <a:off x="0" y="260648"/>
-            <a:ext cx="12192000" cy="769441"/>
-          </a:xfrm>
-          <a:prstGeom prst="rect">
-            <a:avLst/>
-          </a:prstGeom>
-          <a:noFill/>
-        </p:spPr>
-        <p:txBody>
-          <a:bodyPr wrap="square" rtlCol="0">
-            <a:spAutoFit/>
-          </a:bodyPr>
-          <a:lstStyle/>
-          <a:p>
-            <a:pPr algn="ctr"/>
-            <a:r>
-              <a:rPr lang="ru-RU" sz="4400" b="1" dirty="0"/>
-              <a:t>К следующему занятию…</a:t>
-            </a:r>
+            <a:r>
+              <a:rPr lang="ru-RU" sz="2800" dirty="0"/>
+              <a:t>Есть массив из объектов в котором есть данные о имени человека и его оценке по ЗНО. Необходимо вывести список </a:t>
+            </a:r>
+            <a:r>
+              <a:rPr lang="ru-RU" sz="2800" b="1" dirty="0"/>
+              <a:t>ТОП-3</a:t>
+            </a:r>
+            <a:r>
+              <a:rPr lang="ru-RU" sz="2800" dirty="0"/>
+              <a:t> лучших по результатам сдачи ЗНО. Считаем, что людей с одинаковой оценкой в списке нет. </a:t>
+            </a:r>
+            <a:r>
+              <a:rPr lang="ru-RU" sz="2800" i="1" dirty="0"/>
+              <a:t>Порядок оригинального массива не должен быть нарушен</a:t>
+            </a:r>
+            <a:r>
+              <a:rPr lang="ru-RU" sz="2800" dirty="0"/>
+              <a:t>.</a:t>
+            </a:r>
+            <a:endParaRPr lang="uk-UA" sz="2800" dirty="0"/>
           </a:p>
         </p:txBody>
       </p:sp>
     </p:spTree>
     <p:extLst>
       <p:ext uri="{BB962C8B-B14F-4D97-AF65-F5344CB8AC3E}">
-        <p14:creationId xmlns:p14="http://schemas.microsoft.com/office/powerpoint/2010/main" val="1856639604"/>
+        <p14:creationId xmlns:p14="http://schemas.microsoft.com/office/powerpoint/2010/main" val="418182098"/>
       </p:ext>
     </p:extLst>
   </p:cSld>
@@ -7858,19 +7940,8 @@
           <a:p>
             <a:pPr algn="ctr"/>
             <a:r>
-              <a:rPr lang="ru-RU" sz="6000" b="1" dirty="0">
-                <a:solidFill>
-                  <a:srgbClr val="FFC000"/>
-                </a:solidFill>
-              </a:rPr>
-              <a:t>Домашнее задание </a:t>
-            </a:r>
-          </a:p>
-          <a:p>
-            <a:pPr algn="ctr"/>
-            <a:r>
               <a:rPr lang="ru-RU" sz="6000" b="1" dirty="0"/>
-              <a:t>/сделать</a:t>
+              <a:t>К следующему занятию будет полезно почитать о…</a:t>
             </a:r>
             <a:endParaRPr lang="uk-UA" sz="6000" b="1" dirty="0"/>
           </a:p>
@@ -7879,7 +7950,7 @@
     </p:spTree>
     <p:extLst>
       <p:ext uri="{BB962C8B-B14F-4D97-AF65-F5344CB8AC3E}">
-        <p14:creationId xmlns:p14="http://schemas.microsoft.com/office/powerpoint/2010/main" val="1430968111"/>
+        <p14:creationId xmlns:p14="http://schemas.microsoft.com/office/powerpoint/2010/main" val="597735732"/>
       </p:ext>
     </p:extLst>
   </p:cSld>
@@ -7908,197 +7979,14 @@
       </p:grpSpPr>
       <p:sp>
         <p:nvSpPr>
-          <p:cNvPr id="7" name="Заголовок 6"/>
-          <p:cNvSpPr>
-            <a:spLocks noGrp="1"/>
-          </p:cNvSpPr>
-          <p:nvPr>
-            <p:ph type="title"/>
-          </p:nvPr>
-        </p:nvSpPr>
-        <p:spPr>
-          <a:xfrm>
-            <a:off x="0" y="1264622"/>
-            <a:ext cx="12192000" cy="778098"/>
-          </a:xfrm>
-        </p:spPr>
-        <p:txBody>
-          <a:bodyPr>
-            <a:normAutofit/>
-          </a:bodyPr>
-          <a:lstStyle/>
-          <a:p>
-            <a:r>
-              <a:rPr lang="ru-RU" sz="3600" b="1" dirty="0">
-                <a:solidFill>
-                  <a:schemeClr val="accent6">
-                    <a:lumMod val="75000"/>
-                  </a:schemeClr>
-                </a:solidFill>
-              </a:rPr>
-              <a:t>Кредитный</a:t>
-            </a:r>
-            <a:r>
-              <a:rPr lang="ru-RU" sz="3600" b="1" dirty="0"/>
-              <a:t> калькулятор </a:t>
-            </a:r>
-            <a:r>
-              <a:rPr lang="en-US" sz="3600" b="1" dirty="0"/>
-              <a:t>v.</a:t>
-            </a:r>
-            <a:r>
-              <a:rPr lang="ru-RU" sz="3600" b="1" dirty="0"/>
-              <a:t>2</a:t>
-            </a:r>
-          </a:p>
-        </p:txBody>
-      </p:sp>
-      <p:sp>
-        <p:nvSpPr>
-          <p:cNvPr id="15" name="Номер слайда 36"/>
-          <p:cNvSpPr txBox="1">
-            <a:spLocks/>
-          </p:cNvSpPr>
-          <p:nvPr/>
-        </p:nvSpPr>
-        <p:spPr>
-          <a:xfrm>
-            <a:off x="11280576" y="6165304"/>
-            <a:ext cx="648072" cy="432048"/>
-          </a:xfrm>
-          <a:prstGeom prst="roundRect">
-            <a:avLst/>
-          </a:prstGeom>
-          <a:ln w="25400" cap="flat" cmpd="sng" algn="ctr">
-            <a:solidFill>
-              <a:schemeClr val="tx2">
-                <a:lumMod val="60000"/>
-                <a:lumOff val="40000"/>
-              </a:schemeClr>
-            </a:solidFill>
-            <a:prstDash val="solid"/>
-          </a:ln>
-        </p:spPr>
-        <p:style>
-          <a:lnRef idx="2">
-            <a:schemeClr val="accent1"/>
-          </a:lnRef>
-          <a:fillRef idx="1">
-            <a:schemeClr val="lt1"/>
-          </a:fillRef>
-          <a:effectRef idx="0">
-            <a:schemeClr val="accent1"/>
-          </a:effectRef>
-          <a:fontRef idx="minor">
-            <a:schemeClr val="dk1"/>
-          </a:fontRef>
-        </p:style>
-        <p:txBody>
-          <a:bodyPr vert="horz" lIns="91440" tIns="45720" rIns="91440" bIns="45720" rtlCol="0" anchor="ctr"/>
-          <a:lstStyle/>
-          <a:p>
-            <a:pPr algn="ctr">
-              <a:defRPr/>
-            </a:pPr>
-            <a:fld id="{6389AA22-90B4-448C-8B6B-C699140D38B9}" type="slidenum">
-              <a:rPr lang="uk-UA" sz="2400" b="1">
-                <a:solidFill>
-                  <a:schemeClr val="bg1">
-                    <a:lumMod val="50000"/>
-                  </a:schemeClr>
-                </a:solidFill>
-              </a:rPr>
-              <a:pPr algn="ctr">
-                <a:defRPr/>
-              </a:pPr>
-              <a:t>28</a:t>
-            </a:fld>
-            <a:endParaRPr lang="uk-UA" sz="2400" b="1" dirty="0">
-              <a:solidFill>
-                <a:schemeClr val="bg1">
-                  <a:lumMod val="50000"/>
-                </a:schemeClr>
-              </a:solidFill>
-            </a:endParaRPr>
-          </a:p>
-        </p:txBody>
-      </p:sp>
-      <p:sp>
-        <p:nvSpPr>
-          <p:cNvPr id="6" name="Заголовок 4"/>
-          <p:cNvSpPr txBox="1">
-            <a:spLocks/>
-          </p:cNvSpPr>
-          <p:nvPr/>
-        </p:nvSpPr>
-        <p:spPr>
-          <a:xfrm>
-            <a:off x="0" y="413792"/>
-            <a:ext cx="12192000" cy="710952"/>
-          </a:xfrm>
-          <a:prstGeom prst="rect">
-            <a:avLst/>
-          </a:prstGeom>
-        </p:spPr>
-        <p:txBody>
-          <a:bodyPr vert="horz" lIns="91440" tIns="45720" rIns="91440" bIns="45720" rtlCol="0" anchor="ctr">
-            <a:normAutofit/>
-          </a:bodyPr>
-          <a:lstStyle/>
-          <a:p>
-            <a:pPr algn="ctr">
-              <a:spcBef>
-                <a:spcPct val="0"/>
-              </a:spcBef>
-              <a:defRPr/>
-            </a:pPr>
-            <a:r>
-              <a:rPr lang="ru-RU" sz="3200" b="1" dirty="0">
-                <a:latin typeface="+mj-lt"/>
-                <a:ea typeface="+mj-ea"/>
-                <a:cs typeface="+mj-cs"/>
-              </a:rPr>
-              <a:t>Домашнее задание </a:t>
-            </a:r>
-            <a:r>
-              <a:rPr lang="en-US" sz="3200" b="1" dirty="0">
-                <a:solidFill>
-                  <a:schemeClr val="accent6">
-                    <a:lumMod val="75000"/>
-                  </a:schemeClr>
-                </a:solidFill>
-                <a:latin typeface="+mj-lt"/>
-                <a:ea typeface="+mj-ea"/>
-                <a:cs typeface="+mj-cs"/>
-              </a:rPr>
-              <a:t>#C.</a:t>
-            </a:r>
-            <a:r>
-              <a:rPr lang="ru-RU" sz="3200" b="1" dirty="0">
-                <a:solidFill>
-                  <a:schemeClr val="accent6">
-                    <a:lumMod val="75000"/>
-                  </a:schemeClr>
-                </a:solidFill>
-                <a:latin typeface="+mj-lt"/>
-                <a:ea typeface="+mj-ea"/>
-                <a:cs typeface="+mj-cs"/>
-              </a:rPr>
-              <a:t>1</a:t>
-            </a:r>
-          </a:p>
-        </p:txBody>
-      </p:sp>
-      <p:sp>
-        <p:nvSpPr>
-          <p:cNvPr id="8" name="TextBox 7"/>
+          <p:cNvPr id="3" name="TextBox 2"/>
           <p:cNvSpPr txBox="1"/>
           <p:nvPr/>
         </p:nvSpPr>
         <p:spPr>
           <a:xfrm>
-            <a:off x="2516578" y="2420888"/>
-            <a:ext cx="7899902" cy="3108543"/>
+            <a:off x="767408" y="1412776"/>
+            <a:ext cx="11103060" cy="5016758"/>
           </a:xfrm>
           <a:prstGeom prst="rect">
             <a:avLst/>
@@ -8111,49 +7999,149 @@
           </a:bodyPr>
           <a:lstStyle/>
           <a:p>
-            <a:r>
-              <a:rPr lang="ru-RU" sz="2800" b="1" dirty="0"/>
-              <a:t>Заданы: </a:t>
-            </a:r>
-            <a:r>
-              <a:rPr lang="ru-RU" sz="2800" dirty="0"/>
-              <a:t>сумма кредита, годовая процентная ставка, и срок кредитования в месяцах. </a:t>
-            </a:r>
-            <a:r>
-              <a:rPr lang="ru-RU" sz="2800" b="1" dirty="0"/>
-              <a:t>Рассчитать</a:t>
-            </a:r>
-            <a:r>
-              <a:rPr lang="ru-RU" sz="2800" dirty="0"/>
-              <a:t> ежемесячные платежи (сколько в каждом месяце будет платить заёмщик, указав сколько из суммы ежемесячного платежа идёт на погашение тела кредита, а сколько на погашение процентов) по </a:t>
-            </a:r>
-            <a:r>
-              <a:rPr lang="ru-RU" sz="2800" b="1" dirty="0" err="1">
-                <a:solidFill>
-                  <a:schemeClr val="accent6">
-                    <a:lumMod val="75000"/>
-                  </a:schemeClr>
-                </a:solidFill>
+            <a:pPr marL="514350" indent="-514350">
+              <a:buAutoNum type="arabicPeriod"/>
+            </a:pPr>
+            <a:r>
+              <a:rPr lang="ru-RU" sz="3200" dirty="0"/>
+              <a:t> </a:t>
+            </a:r>
+            <a:r>
+              <a:rPr lang="ru-RU" sz="3200" b="1" dirty="0"/>
+              <a:t>Функции в </a:t>
+            </a:r>
+            <a:r>
+              <a:rPr lang="en-US" sz="3200" b="1" dirty="0"/>
+              <a:t>JavaScript, </a:t>
+            </a:r>
+            <a:r>
+              <a:rPr lang="ru-RU" sz="3200" b="1" dirty="0"/>
+              <a:t>стрелочные (лямбда) функции</a:t>
+            </a:r>
+            <a:r>
+              <a:rPr lang="ru-RU" sz="3200" dirty="0"/>
+              <a:t>;</a:t>
+            </a:r>
+            <a:br>
+              <a:rPr lang="en-US" sz="3200" dirty="0"/>
+            </a:br>
+            <a:endParaRPr lang="ru-RU" sz="3200" dirty="0"/>
+          </a:p>
+          <a:p>
+            <a:pPr marL="514350" indent="-514350">
+              <a:buAutoNum type="arabicPeriod"/>
+            </a:pPr>
+            <a:r>
+              <a:rPr lang="ru-RU" sz="3200" dirty="0"/>
+              <a:t>Функции </a:t>
+            </a:r>
+            <a:r>
+              <a:rPr lang="en-US" sz="3200" dirty="0" err="1"/>
+              <a:t>setTimeout</a:t>
+            </a:r>
+            <a:r>
+              <a:rPr lang="en-US" sz="3200" dirty="0"/>
+              <a:t>(), </a:t>
+            </a:r>
+            <a:r>
+              <a:rPr lang="en-US" sz="3200" dirty="0" err="1"/>
+              <a:t>setInterval</a:t>
+            </a:r>
+            <a:r>
+              <a:rPr lang="en-US" sz="3200" dirty="0"/>
+              <a:t>();</a:t>
+            </a:r>
+            <a:br>
+              <a:rPr lang="en-US" sz="3200" dirty="0"/>
+            </a:br>
+            <a:endParaRPr lang="en-US" sz="3200" dirty="0"/>
+          </a:p>
+          <a:p>
+            <a:pPr marL="514350" indent="-514350">
+              <a:buAutoNum type="arabicPeriod"/>
+            </a:pPr>
+            <a:r>
+              <a:rPr lang="ru-RU" sz="3200" dirty="0"/>
+              <a:t>Узнать о методах</a:t>
+            </a:r>
+            <a:r>
+              <a:rPr lang="en-US" sz="3200" dirty="0"/>
+              <a:t> </a:t>
+            </a:r>
+            <a:r>
+              <a:rPr lang="ru-RU" sz="3200" dirty="0"/>
+              <a:t>массивов (</a:t>
+            </a:r>
+            <a:r>
+              <a:rPr lang="en-US" sz="3200" dirty="0"/>
+              <a:t>Array</a:t>
+            </a:r>
+            <a:r>
+              <a:rPr lang="ru-RU" sz="3200" dirty="0"/>
+              <a:t>) </a:t>
+            </a:r>
+            <a:r>
+              <a:rPr lang="en-US" sz="3200" dirty="0"/>
+              <a:t>.map(), .filter(), .reduce(), .sort(), .some(), .every();</a:t>
+            </a:r>
+            <a:endParaRPr lang="ru-RU" sz="3200" dirty="0"/>
+          </a:p>
+          <a:p>
+            <a:pPr marL="514350" indent="-514350">
+              <a:buAutoNum type="arabicPeriod"/>
+            </a:pPr>
+            <a:endParaRPr lang="en-US" sz="3200" dirty="0"/>
+          </a:p>
+          <a:p>
+            <a:pPr marL="514350" indent="-514350">
+              <a:buAutoNum type="arabicPeriod"/>
+            </a:pPr>
+            <a:r>
+              <a:rPr lang="ru-RU" sz="3200" dirty="0"/>
+              <a:t>Посмотрите этот ролик: </a:t>
+            </a:r>
+            <a:r>
+              <a:rPr lang="en-US" sz="3200" b="1" dirty="0">
+                <a:hlinkClick r:id="rId2"/>
               </a:rPr>
-              <a:t>аннуитетной</a:t>
-            </a:r>
-            <a:r>
-              <a:rPr lang="ru-RU" sz="2800" dirty="0"/>
-              <a:t> схеме.</a:t>
-            </a:r>
-          </a:p>
-        </p:txBody>
-      </p:sp>
-      <p:sp>
-        <p:nvSpPr>
-          <p:cNvPr id="3" name="TextBox 2"/>
+              <a:t>https://youtu.be/8cV4ZvHXQL4</a:t>
+            </a:r>
+            <a:r>
+              <a:rPr lang="ru-RU" sz="3200" b="1" dirty="0"/>
+              <a:t> </a:t>
+            </a:r>
+            <a:r>
+              <a:rPr lang="ru-RU" sz="3200" dirty="0"/>
+              <a:t>(</a:t>
+            </a:r>
+            <a:r>
+              <a:rPr lang="ru-RU" sz="3200" i="1" dirty="0"/>
+              <a:t>да ведущий там странный</a:t>
+            </a:r>
+            <a:r>
+              <a:rPr lang="ru-RU" sz="3200" dirty="0"/>
+              <a:t>).</a:t>
+            </a:r>
+            <a:endParaRPr lang="en-US" sz="3200" dirty="0"/>
+          </a:p>
+          <a:p>
+            <a:pPr marL="514350" indent="-514350">
+              <a:buAutoNum type="arabicPeriod"/>
+            </a:pPr>
+            <a:endParaRPr lang="ru-RU" sz="3200" dirty="0"/>
+          </a:p>
+        </p:txBody>
+      </p:sp>
+      <p:sp>
+        <p:nvSpPr>
+          <p:cNvPr id="5" name="TextBox 4"/>
           <p:cNvSpPr txBox="1"/>
           <p:nvPr/>
         </p:nvSpPr>
         <p:spPr>
           <a:xfrm>
-            <a:off x="2351584" y="5805264"/>
-            <a:ext cx="7768280" cy="461665"/>
+            <a:off x="0" y="260648"/>
+            <a:ext cx="12192000" cy="769441"/>
           </a:xfrm>
           <a:prstGeom prst="rect">
             <a:avLst/>
@@ -8161,29 +8149,23 @@
           <a:noFill/>
         </p:spPr>
         <p:txBody>
-          <a:bodyPr wrap="none" rtlCol="0">
+          <a:bodyPr wrap="square" rtlCol="0">
             <a:spAutoFit/>
           </a:bodyPr>
           <a:lstStyle/>
           <a:p>
-            <a:r>
-              <a:rPr lang="ru-RU" sz="2400" b="1" dirty="0"/>
-              <a:t>Вам в помощь: </a:t>
-            </a:r>
-            <a:r>
-              <a:rPr lang="en-US" sz="2400" b="1" dirty="0">
-                <a:hlinkClick r:id="rId2"/>
-              </a:rPr>
-              <a:t>https://fin-calc.org.ua/ru/credit/calculate/</a:t>
-            </a:r>
-            <a:endParaRPr lang="ru-RU" sz="2400" b="1" dirty="0"/>
+            <a:pPr algn="ctr"/>
+            <a:r>
+              <a:rPr lang="ru-RU" sz="4400" b="1" dirty="0"/>
+              <a:t>К следующему занятию…</a:t>
+            </a:r>
           </a:p>
         </p:txBody>
       </p:sp>
     </p:spTree>
     <p:extLst>
       <p:ext uri="{BB962C8B-B14F-4D97-AF65-F5344CB8AC3E}">
-        <p14:creationId xmlns:p14="http://schemas.microsoft.com/office/powerpoint/2010/main" val="3433583361"/>
+        <p14:creationId xmlns:p14="http://schemas.microsoft.com/office/powerpoint/2010/main" val="1856639604"/>
       </p:ext>
     </p:extLst>
   </p:cSld>
@@ -8212,473 +8194,66 @@
       </p:grpSpPr>
       <p:sp>
         <p:nvSpPr>
-          <p:cNvPr id="15" name="Номер слайда 36"/>
-          <p:cNvSpPr txBox="1">
-            <a:spLocks/>
-          </p:cNvSpPr>
+          <p:cNvPr id="5" name="Прямоугольник 4"/>
+          <p:cNvSpPr/>
           <p:nvPr/>
         </p:nvSpPr>
         <p:spPr>
           <a:xfrm>
-            <a:off x="11280576" y="6165304"/>
-            <a:ext cx="648072" cy="432048"/>
-          </a:xfrm>
-          <a:prstGeom prst="roundRect">
+            <a:off x="0" y="0"/>
+            <a:ext cx="12192000" cy="6858000"/>
+          </a:xfrm>
+          <a:prstGeom prst="rect">
             <a:avLst/>
           </a:prstGeom>
-          <a:ln w="25400" cap="flat" cmpd="sng" algn="ctr">
-            <a:solidFill>
-              <a:schemeClr val="tx2">
-                <a:lumMod val="60000"/>
-                <a:lumOff val="40000"/>
-              </a:schemeClr>
-            </a:solidFill>
-            <a:prstDash val="solid"/>
-          </a:ln>
+          <a:solidFill>
+            <a:srgbClr val="002060"/>
+          </a:solidFill>
         </p:spPr>
         <p:style>
           <a:lnRef idx="2">
-            <a:schemeClr val="accent1"/>
+            <a:schemeClr val="accent1">
+              <a:shade val="50000"/>
+            </a:schemeClr>
           </a:lnRef>
           <a:fillRef idx="1">
-            <a:schemeClr val="lt1"/>
+            <a:schemeClr val="accent1"/>
           </a:fillRef>
           <a:effectRef idx="0">
             <a:schemeClr val="accent1"/>
           </a:effectRef>
           <a:fontRef idx="minor">
-            <a:schemeClr val="dk1"/>
+            <a:schemeClr val="lt1"/>
           </a:fontRef>
         </p:style>
         <p:txBody>
-          <a:bodyPr vert="horz" lIns="91440" tIns="45720" rIns="91440" bIns="45720" rtlCol="0" anchor="ctr"/>
-          <a:lstStyle/>
-          <a:p>
-            <a:pPr algn="ctr">
-              <a:defRPr/>
-            </a:pPr>
-            <a:fld id="{6389AA22-90B4-448C-8B6B-C699140D38B9}" type="slidenum">
-              <a:rPr lang="uk-UA" sz="2400" b="1">
-                <a:solidFill>
-                  <a:schemeClr val="bg1">
-                    <a:lumMod val="50000"/>
-                  </a:schemeClr>
-                </a:solidFill>
-              </a:rPr>
-              <a:pPr algn="ctr">
-                <a:defRPr/>
-              </a:pPr>
-              <a:t>29</a:t>
-            </a:fld>
-            <a:endParaRPr lang="uk-UA" sz="2400" b="1" dirty="0">
-              <a:solidFill>
-                <a:schemeClr val="bg1">
-                  <a:lumMod val="50000"/>
-                </a:schemeClr>
-              </a:solidFill>
-            </a:endParaRPr>
-          </a:p>
-        </p:txBody>
-      </p:sp>
-      <p:sp>
-        <p:nvSpPr>
-          <p:cNvPr id="6" name="Заголовок 4"/>
-          <p:cNvSpPr txBox="1">
-            <a:spLocks/>
-          </p:cNvSpPr>
-          <p:nvPr/>
-        </p:nvSpPr>
-        <p:spPr>
-          <a:xfrm>
-            <a:off x="0" y="413792"/>
-            <a:ext cx="12192000" cy="710952"/>
-          </a:xfrm>
-          <a:prstGeom prst="rect">
-            <a:avLst/>
-          </a:prstGeom>
-        </p:spPr>
-        <p:txBody>
-          <a:bodyPr vert="horz" lIns="91440" tIns="45720" rIns="91440" bIns="45720" rtlCol="0" anchor="ctr">
-            <a:normAutofit/>
-          </a:bodyPr>
-          <a:lstStyle/>
-          <a:p>
-            <a:pPr algn="ctr">
-              <a:spcBef>
-                <a:spcPct val="0"/>
-              </a:spcBef>
-              <a:defRPr/>
-            </a:pPr>
-            <a:r>
-              <a:rPr lang="ru-RU" sz="3200" b="1" dirty="0">
-                <a:latin typeface="+mj-lt"/>
-                <a:ea typeface="+mj-ea"/>
-                <a:cs typeface="+mj-cs"/>
+          <a:bodyPr rtlCol="0" anchor="ctr"/>
+          <a:lstStyle/>
+          <a:p>
+            <a:pPr algn="ctr"/>
+            <a:r>
+              <a:rPr lang="ru-RU" sz="6000" b="1" dirty="0">
+                <a:solidFill>
+                  <a:srgbClr val="FFC000"/>
+                </a:solidFill>
               </a:rPr>
               <a:t>Домашнее задание </a:t>
             </a:r>
-            <a:r>
-              <a:rPr lang="en-US" sz="3200" b="1" dirty="0">
-                <a:solidFill>
-                  <a:schemeClr val="accent6">
-                    <a:lumMod val="75000"/>
-                  </a:schemeClr>
-                </a:solidFill>
-                <a:latin typeface="+mj-lt"/>
-                <a:ea typeface="+mj-ea"/>
-                <a:cs typeface="+mj-cs"/>
-              </a:rPr>
-              <a:t>#C.</a:t>
-            </a:r>
-            <a:r>
-              <a:rPr lang="ru-RU" sz="3200" b="1" dirty="0">
-                <a:solidFill>
-                  <a:schemeClr val="accent6">
-                    <a:lumMod val="75000"/>
-                  </a:schemeClr>
-                </a:solidFill>
-                <a:latin typeface="+mj-lt"/>
-                <a:ea typeface="+mj-ea"/>
-                <a:cs typeface="+mj-cs"/>
-              </a:rPr>
-              <a:t>2</a:t>
-            </a:r>
-          </a:p>
-        </p:txBody>
-      </p:sp>
-      <p:sp>
-        <p:nvSpPr>
-          <p:cNvPr id="2" name="Заголовок 1"/>
-          <p:cNvSpPr>
-            <a:spLocks noGrp="1"/>
-          </p:cNvSpPr>
-          <p:nvPr>
-            <p:ph type="title"/>
-          </p:nvPr>
-        </p:nvSpPr>
-        <p:spPr>
-          <a:xfrm>
-            <a:off x="6096000" y="1427080"/>
-            <a:ext cx="5760640" cy="4018144"/>
-          </a:xfrm>
-        </p:spPr>
-        <p:txBody>
-          <a:bodyPr>
-            <a:normAutofit fontScale="90000"/>
-          </a:bodyPr>
-          <a:lstStyle/>
-          <a:p>
-            <a:pPr algn="l"/>
-            <a:r>
-              <a:rPr lang="ru-RU" sz="2800" dirty="0"/>
-              <a:t>Составьте список дат (</a:t>
-            </a:r>
-            <a:r>
-              <a:rPr lang="ru-RU" sz="2800" i="1" dirty="0"/>
-              <a:t>отсортированных от прошлого к будущему</a:t>
-            </a:r>
-            <a:r>
-              <a:rPr lang="ru-RU" sz="2800" dirty="0"/>
-              <a:t>), когда ожидаются платежи по облигациям госзайма, с суммой всех платежей которые в этот день должны быть выполнены (</a:t>
-            </a:r>
-            <a:r>
-              <a:rPr lang="ru-RU" sz="2800" i="1" dirty="0">
-                <a:solidFill>
-                  <a:schemeClr val="accent6">
-                    <a:lumMod val="75000"/>
-                  </a:schemeClr>
-                </a:solidFill>
-              </a:rPr>
-              <a:t>на одну дату могут приходится несколько платежей, тогда на эту дату считаем сумму платежей</a:t>
-            </a:r>
-            <a:r>
-              <a:rPr lang="ru-RU" sz="2800" dirty="0"/>
-              <a:t>). (Платежи, которые НЕ в гривне, пересчитайте в гривну).</a:t>
-            </a:r>
-          </a:p>
-        </p:txBody>
-      </p:sp>
-      <p:sp>
-        <p:nvSpPr>
-          <p:cNvPr id="5" name="Прямоугольник 4"/>
-          <p:cNvSpPr/>
-          <p:nvPr/>
-        </p:nvSpPr>
-        <p:spPr>
-          <a:xfrm>
-            <a:off x="0" y="5715253"/>
-            <a:ext cx="12192000" cy="954107"/>
-          </a:xfrm>
-          <a:prstGeom prst="rect">
-            <a:avLst/>
-          </a:prstGeom>
-        </p:spPr>
-        <p:txBody>
-          <a:bodyPr wrap="square">
-            <a:spAutoFit/>
-          </a:bodyPr>
-          <a:lstStyle/>
+          </a:p>
           <a:p>
             <a:pPr algn="ctr"/>
             <a:r>
-              <a:rPr lang="ru-RU" sz="2800" b="1" dirty="0"/>
-              <a:t>Вы можете воспользоваться шаблоном </a:t>
-            </a:r>
-            <a:br>
-              <a:rPr lang="ru-RU" sz="2800" b="1" dirty="0"/>
-            </a:br>
-            <a:r>
-              <a:rPr lang="ru-RU" sz="2800" b="1" dirty="0"/>
-              <a:t>в </a:t>
-            </a:r>
-            <a:r>
-              <a:rPr lang="ru-RU" sz="2800" b="1" dirty="0" err="1"/>
-              <a:t>репозитории</a:t>
-            </a:r>
-            <a:r>
-              <a:rPr lang="ru-RU" sz="2800" b="1" dirty="0"/>
-              <a:t> </a:t>
-            </a:r>
-            <a:r>
-              <a:rPr lang="en-US" sz="2800" b="1" dirty="0">
-                <a:solidFill>
-                  <a:srgbClr val="00B050"/>
-                </a:solidFill>
-              </a:rPr>
-              <a:t>./</a:t>
-            </a:r>
-            <a:r>
-              <a:rPr lang="en-US" sz="2800" b="1" dirty="0" err="1">
-                <a:solidFill>
-                  <a:srgbClr val="00B050"/>
-                </a:solidFill>
-              </a:rPr>
-              <a:t>src</a:t>
-            </a:r>
-            <a:r>
-              <a:rPr lang="en-US" sz="2800" b="1" dirty="0">
-                <a:solidFill>
-                  <a:srgbClr val="00B050"/>
-                </a:solidFill>
-              </a:rPr>
-              <a:t>/</a:t>
-            </a:r>
-            <a:r>
-              <a:rPr lang="en-US" sz="2800" b="1" dirty="0" err="1">
-                <a:solidFill>
-                  <a:srgbClr val="00B050"/>
-                </a:solidFill>
-              </a:rPr>
-              <a:t>nbu</a:t>
-            </a:r>
-            <a:r>
-              <a:rPr lang="en-US" sz="2800" b="1" dirty="0">
-                <a:solidFill>
-                  <a:srgbClr val="00B050"/>
-                </a:solidFill>
-              </a:rPr>
-              <a:t>-</a:t>
-            </a:r>
-            <a:r>
-              <a:rPr lang="en-US" sz="2800" b="1" dirty="0" err="1">
-                <a:solidFill>
-                  <a:srgbClr val="00B050"/>
-                </a:solidFill>
-              </a:rPr>
-              <a:t>api</a:t>
-            </a:r>
-            <a:r>
-              <a:rPr lang="en-US" sz="2800" b="1">
-                <a:solidFill>
-                  <a:srgbClr val="00B050"/>
-                </a:solidFill>
-              </a:rPr>
-              <a:t>-template</a:t>
-            </a:r>
-            <a:r>
-              <a:rPr lang="ru-RU" sz="2800" b="1">
-                <a:solidFill>
-                  <a:srgbClr val="00B050"/>
-                </a:solidFill>
-              </a:rPr>
-              <a:t>/</a:t>
-            </a:r>
-            <a:endParaRPr lang="en-US" sz="2800" b="1" dirty="0">
-              <a:solidFill>
-                <a:srgbClr val="00B050"/>
-              </a:solidFill>
-            </a:endParaRPr>
-          </a:p>
-        </p:txBody>
-      </p:sp>
-      <p:pic>
-        <p:nvPicPr>
-          <p:cNvPr id="7" name="Picture 2" descr="https://bank.gov.ua/frontend/content/logo.png?v=4"/>
-          <p:cNvPicPr>
-            <a:picLocks noChangeAspect="1" noChangeArrowheads="1"/>
-          </p:cNvPicPr>
-          <p:nvPr/>
-        </p:nvPicPr>
-        <p:blipFill>
-          <a:blip r:embed="rId2">
-            <a:extLst>
-              <a:ext uri="{28A0092B-C50C-407E-A947-70E740481C1C}">
-                <a14:useLocalDpi xmlns:a14="http://schemas.microsoft.com/office/drawing/2010/main" val="0"/>
-              </a:ext>
-            </a:extLst>
-          </a:blip>
-          <a:srcRect/>
-          <a:stretch>
-            <a:fillRect/>
-          </a:stretch>
-        </p:blipFill>
-        <p:spPr bwMode="auto">
-          <a:xfrm>
-            <a:off x="1199456" y="1427080"/>
-            <a:ext cx="4536504" cy="1209736"/>
-          </a:xfrm>
-          <a:prstGeom prst="rect">
-            <a:avLst/>
-          </a:prstGeom>
-          <a:noFill/>
-          <a:extLst>
-            <a:ext uri="{909E8E84-426E-40DD-AFC4-6F175D3DCCD1}">
-              <a14:hiddenFill xmlns:a14="http://schemas.microsoft.com/office/drawing/2010/main">
-                <a:solidFill>
-                  <a:srgbClr val="FFFFFF"/>
-                </a:solidFill>
-              </a14:hiddenFill>
-            </a:ext>
-          </a:extLst>
-        </p:spPr>
-      </p:pic>
-      <p:sp>
-        <p:nvSpPr>
-          <p:cNvPr id="3" name="TextBox 2"/>
-          <p:cNvSpPr txBox="1"/>
-          <p:nvPr/>
-        </p:nvSpPr>
-        <p:spPr>
-          <a:xfrm>
-            <a:off x="1703512" y="3464517"/>
-            <a:ext cx="3631122" cy="1477328"/>
-          </a:xfrm>
-          <a:prstGeom prst="rect">
-            <a:avLst/>
-          </a:prstGeom>
-        </p:spPr>
-        <p:style>
-          <a:lnRef idx="2">
-            <a:schemeClr val="accent6"/>
-          </a:lnRef>
-          <a:fillRef idx="1">
-            <a:schemeClr val="lt1"/>
-          </a:fillRef>
-          <a:effectRef idx="0">
-            <a:schemeClr val="accent6"/>
-          </a:effectRef>
-          <a:fontRef idx="minor">
-            <a:schemeClr val="dk1"/>
-          </a:fontRef>
-        </p:style>
-        <p:txBody>
-          <a:bodyPr wrap="none" rtlCol="0">
-            <a:spAutoFit/>
-          </a:bodyPr>
-          <a:lstStyle/>
-          <a:p>
-            <a:r>
-              <a:rPr lang="ru-RU" b="1" dirty="0">
-                <a:latin typeface="Courier New" panose="02070309020205020404" pitchFamily="49" charset="0"/>
-                <a:cs typeface="Courier New" panose="02070309020205020404" pitchFamily="49" charset="0"/>
-              </a:rPr>
-              <a:t>…</a:t>
-            </a:r>
-          </a:p>
-          <a:p>
-            <a:r>
-              <a:rPr lang="ru-RU" b="1" dirty="0">
-                <a:latin typeface="Courier New" panose="02070309020205020404" pitchFamily="49" charset="0"/>
-                <a:cs typeface="Courier New" panose="02070309020205020404" pitchFamily="49" charset="0"/>
-              </a:rPr>
-              <a:t>2021-01-01: 1450000 </a:t>
-            </a:r>
-            <a:r>
-              <a:rPr lang="ru-RU" b="1" dirty="0" err="1">
-                <a:latin typeface="Courier New" panose="02070309020205020404" pitchFamily="49" charset="0"/>
-                <a:cs typeface="Courier New" panose="02070309020205020404" pitchFamily="49" charset="0"/>
-              </a:rPr>
-              <a:t>грн</a:t>
-            </a:r>
-            <a:r>
-              <a:rPr lang="ru-RU" b="1" dirty="0">
-                <a:latin typeface="Courier New" panose="02070309020205020404" pitchFamily="49" charset="0"/>
-                <a:cs typeface="Courier New" panose="02070309020205020404" pitchFamily="49" charset="0"/>
-              </a:rPr>
-              <a:t>;</a:t>
-            </a:r>
-          </a:p>
-          <a:p>
-            <a:r>
-              <a:rPr lang="ru-RU" b="1" dirty="0">
-                <a:latin typeface="Courier New" panose="02070309020205020404" pitchFamily="49" charset="0"/>
-                <a:cs typeface="Courier New" panose="02070309020205020404" pitchFamily="49" charset="0"/>
-              </a:rPr>
-              <a:t>2021-02-03: 5000000 </a:t>
-            </a:r>
-            <a:r>
-              <a:rPr lang="ru-RU" b="1" dirty="0" err="1">
-                <a:latin typeface="Courier New" panose="02070309020205020404" pitchFamily="49" charset="0"/>
-                <a:cs typeface="Courier New" panose="02070309020205020404" pitchFamily="49" charset="0"/>
-              </a:rPr>
-              <a:t>грн</a:t>
-            </a:r>
-            <a:r>
-              <a:rPr lang="ru-RU" b="1" dirty="0">
-                <a:latin typeface="Courier New" panose="02070309020205020404" pitchFamily="49" charset="0"/>
-                <a:cs typeface="Courier New" panose="02070309020205020404" pitchFamily="49" charset="0"/>
-              </a:rPr>
-              <a:t>;</a:t>
-            </a:r>
-          </a:p>
-          <a:p>
-            <a:r>
-              <a:rPr lang="ru-RU" b="1" dirty="0">
-                <a:latin typeface="Courier New" panose="02070309020205020404" pitchFamily="49" charset="0"/>
-                <a:cs typeface="Courier New" panose="02070309020205020404" pitchFamily="49" charset="0"/>
-              </a:rPr>
-              <a:t>2021-03-23: 17900000 </a:t>
-            </a:r>
-            <a:r>
-              <a:rPr lang="ru-RU" b="1" dirty="0" err="1">
-                <a:latin typeface="Courier New" panose="02070309020205020404" pitchFamily="49" charset="0"/>
-                <a:cs typeface="Courier New" panose="02070309020205020404" pitchFamily="49" charset="0"/>
-              </a:rPr>
-              <a:t>грн</a:t>
-            </a:r>
-            <a:r>
-              <a:rPr lang="ru-RU" b="1" dirty="0">
-                <a:latin typeface="Courier New" panose="02070309020205020404" pitchFamily="49" charset="0"/>
-                <a:cs typeface="Courier New" panose="02070309020205020404" pitchFamily="49" charset="0"/>
-              </a:rPr>
-              <a:t>;</a:t>
-            </a:r>
-          </a:p>
-          <a:p>
-            <a:r>
-              <a:rPr lang="ru-RU" b="1" dirty="0">
-                <a:latin typeface="Courier New" panose="02070309020205020404" pitchFamily="49" charset="0"/>
-                <a:cs typeface="Courier New" panose="02070309020205020404" pitchFamily="49" charset="0"/>
-              </a:rPr>
-              <a:t>…</a:t>
-            </a:r>
+              <a:rPr lang="ru-RU" sz="6000" b="1" dirty="0"/>
+              <a:t>/сделать</a:t>
+            </a:r>
+            <a:endParaRPr lang="uk-UA" sz="6000" b="1" dirty="0"/>
           </a:p>
         </p:txBody>
       </p:sp>
     </p:spTree>
     <p:extLst>
       <p:ext uri="{BB962C8B-B14F-4D97-AF65-F5344CB8AC3E}">
-        <p14:creationId xmlns:p14="http://schemas.microsoft.com/office/powerpoint/2010/main" val="4250416377"/>
+        <p14:creationId xmlns:p14="http://schemas.microsoft.com/office/powerpoint/2010/main" val="1430968111"/>
       </p:ext>
     </p:extLst>
   </p:cSld>
@@ -9010,6 +8585,805 @@
     <p:extLst>
       <p:ext uri="{BB962C8B-B14F-4D97-AF65-F5344CB8AC3E}">
         <p14:creationId xmlns:p14="http://schemas.microsoft.com/office/powerpoint/2010/main" val="2347561580"/>
+      </p:ext>
+    </p:extLst>
+  </p:cSld>
+  <p:clrMapOvr>
+    <a:masterClrMapping/>
+  </p:clrMapOvr>
+</p:sld>
+</file>
+
+<file path=ppt/slides/slide30.xml><?xml version="1.0" encoding="utf-8"?>
+<p:sld xmlns:a="http://schemas.openxmlformats.org/drawingml/2006/main" xmlns:r="http://schemas.openxmlformats.org/officeDocument/2006/relationships" xmlns:p="http://schemas.openxmlformats.org/presentationml/2006/main">
+  <p:cSld>
+    <p:spTree>
+      <p:nvGrpSpPr>
+        <p:cNvPr id="1" name=""/>
+        <p:cNvGrpSpPr/>
+        <p:nvPr/>
+      </p:nvGrpSpPr>
+      <p:grpSpPr>
+        <a:xfrm>
+          <a:off x="0" y="0"/>
+          <a:ext cx="0" cy="0"/>
+          <a:chOff x="0" y="0"/>
+          <a:chExt cx="0" cy="0"/>
+        </a:xfrm>
+      </p:grpSpPr>
+      <p:sp>
+        <p:nvSpPr>
+          <p:cNvPr id="7" name="Заголовок 6"/>
+          <p:cNvSpPr>
+            <a:spLocks noGrp="1"/>
+          </p:cNvSpPr>
+          <p:nvPr>
+            <p:ph type="title"/>
+          </p:nvPr>
+        </p:nvSpPr>
+        <p:spPr>
+          <a:xfrm>
+            <a:off x="0" y="1264622"/>
+            <a:ext cx="12192000" cy="778098"/>
+          </a:xfrm>
+        </p:spPr>
+        <p:txBody>
+          <a:bodyPr>
+            <a:normAutofit/>
+          </a:bodyPr>
+          <a:lstStyle/>
+          <a:p>
+            <a:r>
+              <a:rPr lang="ru-RU" sz="3600" b="1" dirty="0">
+                <a:solidFill>
+                  <a:schemeClr val="accent6">
+                    <a:lumMod val="75000"/>
+                  </a:schemeClr>
+                </a:solidFill>
+              </a:rPr>
+              <a:t>Кредитный</a:t>
+            </a:r>
+            <a:r>
+              <a:rPr lang="ru-RU" sz="3600" b="1" dirty="0"/>
+              <a:t> калькулятор </a:t>
+            </a:r>
+            <a:r>
+              <a:rPr lang="en-US" sz="3600" b="1" dirty="0"/>
+              <a:t>v.</a:t>
+            </a:r>
+            <a:r>
+              <a:rPr lang="ru-RU" sz="3600" b="1" dirty="0"/>
+              <a:t>2</a:t>
+            </a:r>
+          </a:p>
+        </p:txBody>
+      </p:sp>
+      <p:sp>
+        <p:nvSpPr>
+          <p:cNvPr id="15" name="Номер слайда 36"/>
+          <p:cNvSpPr txBox="1">
+            <a:spLocks/>
+          </p:cNvSpPr>
+          <p:nvPr/>
+        </p:nvSpPr>
+        <p:spPr>
+          <a:xfrm>
+            <a:off x="11280576" y="6165304"/>
+            <a:ext cx="648072" cy="432048"/>
+          </a:xfrm>
+          <a:prstGeom prst="roundRect">
+            <a:avLst/>
+          </a:prstGeom>
+          <a:ln w="25400" cap="flat" cmpd="sng" algn="ctr">
+            <a:solidFill>
+              <a:schemeClr val="tx2">
+                <a:lumMod val="60000"/>
+                <a:lumOff val="40000"/>
+              </a:schemeClr>
+            </a:solidFill>
+            <a:prstDash val="solid"/>
+          </a:ln>
+        </p:spPr>
+        <p:style>
+          <a:lnRef idx="2">
+            <a:schemeClr val="accent1"/>
+          </a:lnRef>
+          <a:fillRef idx="1">
+            <a:schemeClr val="lt1"/>
+          </a:fillRef>
+          <a:effectRef idx="0">
+            <a:schemeClr val="accent1"/>
+          </a:effectRef>
+          <a:fontRef idx="minor">
+            <a:schemeClr val="dk1"/>
+          </a:fontRef>
+        </p:style>
+        <p:txBody>
+          <a:bodyPr vert="horz" lIns="91440" tIns="45720" rIns="91440" bIns="45720" rtlCol="0" anchor="ctr"/>
+          <a:lstStyle/>
+          <a:p>
+            <a:pPr algn="ctr">
+              <a:defRPr/>
+            </a:pPr>
+            <a:fld id="{6389AA22-90B4-448C-8B6B-C699140D38B9}" type="slidenum">
+              <a:rPr lang="uk-UA" sz="2400" b="1">
+                <a:solidFill>
+                  <a:schemeClr val="bg1">
+                    <a:lumMod val="50000"/>
+                  </a:schemeClr>
+                </a:solidFill>
+              </a:rPr>
+              <a:pPr algn="ctr">
+                <a:defRPr/>
+              </a:pPr>
+              <a:t>30</a:t>
+            </a:fld>
+            <a:endParaRPr lang="uk-UA" sz="2400" b="1" dirty="0">
+              <a:solidFill>
+                <a:schemeClr val="bg1">
+                  <a:lumMod val="50000"/>
+                </a:schemeClr>
+              </a:solidFill>
+            </a:endParaRPr>
+          </a:p>
+        </p:txBody>
+      </p:sp>
+      <p:sp>
+        <p:nvSpPr>
+          <p:cNvPr id="6" name="Заголовок 4"/>
+          <p:cNvSpPr txBox="1">
+            <a:spLocks/>
+          </p:cNvSpPr>
+          <p:nvPr/>
+        </p:nvSpPr>
+        <p:spPr>
+          <a:xfrm>
+            <a:off x="0" y="413792"/>
+            <a:ext cx="12192000" cy="710952"/>
+          </a:xfrm>
+          <a:prstGeom prst="rect">
+            <a:avLst/>
+          </a:prstGeom>
+        </p:spPr>
+        <p:txBody>
+          <a:bodyPr vert="horz" lIns="91440" tIns="45720" rIns="91440" bIns="45720" rtlCol="0" anchor="ctr">
+            <a:normAutofit/>
+          </a:bodyPr>
+          <a:lstStyle/>
+          <a:p>
+            <a:pPr algn="ctr">
+              <a:spcBef>
+                <a:spcPct val="0"/>
+              </a:spcBef>
+              <a:defRPr/>
+            </a:pPr>
+            <a:r>
+              <a:rPr lang="ru-RU" sz="3200" b="1" dirty="0">
+                <a:latin typeface="+mj-lt"/>
+                <a:ea typeface="+mj-ea"/>
+                <a:cs typeface="+mj-cs"/>
+              </a:rPr>
+              <a:t>Домашнее задание </a:t>
+            </a:r>
+            <a:r>
+              <a:rPr lang="en-US" sz="3200" b="1" dirty="0">
+                <a:solidFill>
+                  <a:schemeClr val="accent6">
+                    <a:lumMod val="75000"/>
+                  </a:schemeClr>
+                </a:solidFill>
+                <a:latin typeface="+mj-lt"/>
+                <a:ea typeface="+mj-ea"/>
+                <a:cs typeface="+mj-cs"/>
+              </a:rPr>
+              <a:t>#C.</a:t>
+            </a:r>
+            <a:r>
+              <a:rPr lang="ru-RU" sz="3200" b="1" dirty="0">
+                <a:solidFill>
+                  <a:schemeClr val="accent6">
+                    <a:lumMod val="75000"/>
+                  </a:schemeClr>
+                </a:solidFill>
+                <a:latin typeface="+mj-lt"/>
+                <a:ea typeface="+mj-ea"/>
+                <a:cs typeface="+mj-cs"/>
+              </a:rPr>
+              <a:t>1</a:t>
+            </a:r>
+          </a:p>
+        </p:txBody>
+      </p:sp>
+      <p:sp>
+        <p:nvSpPr>
+          <p:cNvPr id="8" name="TextBox 7"/>
+          <p:cNvSpPr txBox="1"/>
+          <p:nvPr/>
+        </p:nvSpPr>
+        <p:spPr>
+          <a:xfrm>
+            <a:off x="2516578" y="2420888"/>
+            <a:ext cx="7899902" cy="3108543"/>
+          </a:xfrm>
+          <a:prstGeom prst="rect">
+            <a:avLst/>
+          </a:prstGeom>
+          <a:noFill/>
+        </p:spPr>
+        <p:txBody>
+          <a:bodyPr wrap="square" rtlCol="0">
+            <a:spAutoFit/>
+          </a:bodyPr>
+          <a:lstStyle/>
+          <a:p>
+            <a:r>
+              <a:rPr lang="ru-RU" sz="2800" b="1" dirty="0"/>
+              <a:t>Заданы: </a:t>
+            </a:r>
+            <a:r>
+              <a:rPr lang="ru-RU" sz="2800" dirty="0"/>
+              <a:t>сумма кредита, годовая процентная ставка, и срок кредитования в месяцах. </a:t>
+            </a:r>
+            <a:r>
+              <a:rPr lang="ru-RU" sz="2800" b="1" dirty="0"/>
+              <a:t>Рассчитать</a:t>
+            </a:r>
+            <a:r>
+              <a:rPr lang="ru-RU" sz="2800" dirty="0"/>
+              <a:t> ежемесячные платежи (сколько в каждом месяце будет платить заёмщик, указав сколько из суммы ежемесячного платежа идёт на погашение тела кредита, а сколько на погашение процентов) по </a:t>
+            </a:r>
+            <a:r>
+              <a:rPr lang="ru-RU" sz="2800" b="1" dirty="0" err="1">
+                <a:solidFill>
+                  <a:schemeClr val="accent6">
+                    <a:lumMod val="75000"/>
+                  </a:schemeClr>
+                </a:solidFill>
+              </a:rPr>
+              <a:t>аннуитетной</a:t>
+            </a:r>
+            <a:r>
+              <a:rPr lang="ru-RU" sz="2800" dirty="0"/>
+              <a:t> схеме.</a:t>
+            </a:r>
+          </a:p>
+        </p:txBody>
+      </p:sp>
+      <p:sp>
+        <p:nvSpPr>
+          <p:cNvPr id="3" name="TextBox 2"/>
+          <p:cNvSpPr txBox="1"/>
+          <p:nvPr/>
+        </p:nvSpPr>
+        <p:spPr>
+          <a:xfrm>
+            <a:off x="2351584" y="5805264"/>
+            <a:ext cx="7768280" cy="461665"/>
+          </a:xfrm>
+          <a:prstGeom prst="rect">
+            <a:avLst/>
+          </a:prstGeom>
+          <a:noFill/>
+        </p:spPr>
+        <p:txBody>
+          <a:bodyPr wrap="none" rtlCol="0">
+            <a:spAutoFit/>
+          </a:bodyPr>
+          <a:lstStyle/>
+          <a:p>
+            <a:r>
+              <a:rPr lang="ru-RU" sz="2400" b="1" dirty="0"/>
+              <a:t>Вам в помощь: </a:t>
+            </a:r>
+            <a:r>
+              <a:rPr lang="en-US" sz="2400" b="1" dirty="0">
+                <a:hlinkClick r:id="rId2"/>
+              </a:rPr>
+              <a:t>https://fin-calc.org.ua/ru/credit/calculate/</a:t>
+            </a:r>
+            <a:endParaRPr lang="ru-RU" sz="2400" b="1" dirty="0"/>
+          </a:p>
+        </p:txBody>
+      </p:sp>
+    </p:spTree>
+    <p:extLst>
+      <p:ext uri="{BB962C8B-B14F-4D97-AF65-F5344CB8AC3E}">
+        <p14:creationId xmlns:p14="http://schemas.microsoft.com/office/powerpoint/2010/main" val="3433583361"/>
+      </p:ext>
+    </p:extLst>
+  </p:cSld>
+  <p:clrMapOvr>
+    <a:masterClrMapping/>
+  </p:clrMapOvr>
+</p:sld>
+</file>
+
+<file path=ppt/slides/slide31.xml><?xml version="1.0" encoding="utf-8"?>
+<p:sld xmlns:a="http://schemas.openxmlformats.org/drawingml/2006/main" xmlns:r="http://schemas.openxmlformats.org/officeDocument/2006/relationships" xmlns:p="http://schemas.openxmlformats.org/presentationml/2006/main">
+  <p:cSld>
+    <p:spTree>
+      <p:nvGrpSpPr>
+        <p:cNvPr id="1" name=""/>
+        <p:cNvGrpSpPr/>
+        <p:nvPr/>
+      </p:nvGrpSpPr>
+      <p:grpSpPr>
+        <a:xfrm>
+          <a:off x="0" y="0"/>
+          <a:ext cx="0" cy="0"/>
+          <a:chOff x="0" y="0"/>
+          <a:chExt cx="0" cy="0"/>
+        </a:xfrm>
+      </p:grpSpPr>
+      <p:sp>
+        <p:nvSpPr>
+          <p:cNvPr id="15" name="Номер слайда 36"/>
+          <p:cNvSpPr txBox="1">
+            <a:spLocks/>
+          </p:cNvSpPr>
+          <p:nvPr/>
+        </p:nvSpPr>
+        <p:spPr>
+          <a:xfrm>
+            <a:off x="11280576" y="6165304"/>
+            <a:ext cx="648072" cy="432048"/>
+          </a:xfrm>
+          <a:prstGeom prst="roundRect">
+            <a:avLst/>
+          </a:prstGeom>
+          <a:ln w="25400" cap="flat" cmpd="sng" algn="ctr">
+            <a:solidFill>
+              <a:schemeClr val="tx2">
+                <a:lumMod val="60000"/>
+                <a:lumOff val="40000"/>
+              </a:schemeClr>
+            </a:solidFill>
+            <a:prstDash val="solid"/>
+          </a:ln>
+        </p:spPr>
+        <p:style>
+          <a:lnRef idx="2">
+            <a:schemeClr val="accent1"/>
+          </a:lnRef>
+          <a:fillRef idx="1">
+            <a:schemeClr val="lt1"/>
+          </a:fillRef>
+          <a:effectRef idx="0">
+            <a:schemeClr val="accent1"/>
+          </a:effectRef>
+          <a:fontRef idx="minor">
+            <a:schemeClr val="dk1"/>
+          </a:fontRef>
+        </p:style>
+        <p:txBody>
+          <a:bodyPr vert="horz" lIns="91440" tIns="45720" rIns="91440" bIns="45720" rtlCol="0" anchor="ctr"/>
+          <a:lstStyle/>
+          <a:p>
+            <a:pPr algn="ctr">
+              <a:defRPr/>
+            </a:pPr>
+            <a:fld id="{6389AA22-90B4-448C-8B6B-C699140D38B9}" type="slidenum">
+              <a:rPr lang="uk-UA" sz="2400" b="1">
+                <a:solidFill>
+                  <a:schemeClr val="bg1">
+                    <a:lumMod val="50000"/>
+                  </a:schemeClr>
+                </a:solidFill>
+              </a:rPr>
+              <a:pPr algn="ctr">
+                <a:defRPr/>
+              </a:pPr>
+              <a:t>31</a:t>
+            </a:fld>
+            <a:endParaRPr lang="uk-UA" sz="2400" b="1" dirty="0">
+              <a:solidFill>
+                <a:schemeClr val="bg1">
+                  <a:lumMod val="50000"/>
+                </a:schemeClr>
+              </a:solidFill>
+            </a:endParaRPr>
+          </a:p>
+        </p:txBody>
+      </p:sp>
+      <p:sp>
+        <p:nvSpPr>
+          <p:cNvPr id="6" name="Заголовок 4"/>
+          <p:cNvSpPr txBox="1">
+            <a:spLocks/>
+          </p:cNvSpPr>
+          <p:nvPr/>
+        </p:nvSpPr>
+        <p:spPr>
+          <a:xfrm>
+            <a:off x="0" y="413792"/>
+            <a:ext cx="12192000" cy="710952"/>
+          </a:xfrm>
+          <a:prstGeom prst="rect">
+            <a:avLst/>
+          </a:prstGeom>
+        </p:spPr>
+        <p:txBody>
+          <a:bodyPr vert="horz" lIns="91440" tIns="45720" rIns="91440" bIns="45720" rtlCol="0" anchor="ctr">
+            <a:normAutofit/>
+          </a:bodyPr>
+          <a:lstStyle/>
+          <a:p>
+            <a:pPr algn="ctr">
+              <a:spcBef>
+                <a:spcPct val="0"/>
+              </a:spcBef>
+              <a:defRPr/>
+            </a:pPr>
+            <a:r>
+              <a:rPr lang="ru-RU" sz="3200" b="1" dirty="0">
+                <a:latin typeface="+mj-lt"/>
+                <a:ea typeface="+mj-ea"/>
+                <a:cs typeface="+mj-cs"/>
+              </a:rPr>
+              <a:t>Домашнее задание </a:t>
+            </a:r>
+            <a:r>
+              <a:rPr lang="en-US" sz="3200" b="1" dirty="0">
+                <a:solidFill>
+                  <a:schemeClr val="accent6">
+                    <a:lumMod val="75000"/>
+                  </a:schemeClr>
+                </a:solidFill>
+                <a:latin typeface="+mj-lt"/>
+                <a:ea typeface="+mj-ea"/>
+                <a:cs typeface="+mj-cs"/>
+              </a:rPr>
+              <a:t>#C.</a:t>
+            </a:r>
+            <a:r>
+              <a:rPr lang="ru-RU" sz="3200" b="1" dirty="0">
+                <a:solidFill>
+                  <a:schemeClr val="accent6">
+                    <a:lumMod val="75000"/>
+                  </a:schemeClr>
+                </a:solidFill>
+                <a:latin typeface="+mj-lt"/>
+                <a:ea typeface="+mj-ea"/>
+                <a:cs typeface="+mj-cs"/>
+              </a:rPr>
+              <a:t>2</a:t>
+            </a:r>
+          </a:p>
+        </p:txBody>
+      </p:sp>
+      <p:sp>
+        <p:nvSpPr>
+          <p:cNvPr id="2" name="Заголовок 1"/>
+          <p:cNvSpPr>
+            <a:spLocks noGrp="1"/>
+          </p:cNvSpPr>
+          <p:nvPr>
+            <p:ph type="title"/>
+          </p:nvPr>
+        </p:nvSpPr>
+        <p:spPr>
+          <a:xfrm>
+            <a:off x="6096000" y="1427080"/>
+            <a:ext cx="5760640" cy="4018144"/>
+          </a:xfrm>
+        </p:spPr>
+        <p:txBody>
+          <a:bodyPr>
+            <a:normAutofit fontScale="90000"/>
+          </a:bodyPr>
+          <a:lstStyle/>
+          <a:p>
+            <a:pPr algn="l"/>
+            <a:r>
+              <a:rPr lang="ru-RU" sz="2800" dirty="0"/>
+              <a:t>Составьте список дат (</a:t>
+            </a:r>
+            <a:r>
+              <a:rPr lang="ru-RU" sz="2800" i="1" dirty="0"/>
+              <a:t>отсортированных от прошлого к будущему</a:t>
+            </a:r>
+            <a:r>
+              <a:rPr lang="ru-RU" sz="2800" dirty="0"/>
+              <a:t>), когда ожидаются платежи по облигациям госзайма, с суммой всех платежей которые в этот день должны быть выполнены (</a:t>
+            </a:r>
+            <a:r>
+              <a:rPr lang="ru-RU" sz="2800" i="1" dirty="0">
+                <a:solidFill>
+                  <a:schemeClr val="accent6">
+                    <a:lumMod val="75000"/>
+                  </a:schemeClr>
+                </a:solidFill>
+              </a:rPr>
+              <a:t>на одну дату могут приходится несколько платежей, тогда на эту дату считаем сумму платежей</a:t>
+            </a:r>
+            <a:r>
+              <a:rPr lang="ru-RU" sz="2800" dirty="0"/>
+              <a:t>). (Платежи, которые НЕ в гривне, пересчитайте в гривну).</a:t>
+            </a:r>
+          </a:p>
+        </p:txBody>
+      </p:sp>
+      <p:sp>
+        <p:nvSpPr>
+          <p:cNvPr id="5" name="Прямоугольник 4"/>
+          <p:cNvSpPr/>
+          <p:nvPr/>
+        </p:nvSpPr>
+        <p:spPr>
+          <a:xfrm>
+            <a:off x="0" y="5715253"/>
+            <a:ext cx="12192000" cy="954107"/>
+          </a:xfrm>
+          <a:prstGeom prst="rect">
+            <a:avLst/>
+          </a:prstGeom>
+        </p:spPr>
+        <p:txBody>
+          <a:bodyPr wrap="square">
+            <a:spAutoFit/>
+          </a:bodyPr>
+          <a:lstStyle/>
+          <a:p>
+            <a:pPr algn="ctr"/>
+            <a:r>
+              <a:rPr lang="ru-RU" sz="2800" b="1" dirty="0"/>
+              <a:t>Вы можете воспользоваться шаблоном </a:t>
+            </a:r>
+            <a:br>
+              <a:rPr lang="ru-RU" sz="2800" b="1" dirty="0"/>
+            </a:br>
+            <a:r>
+              <a:rPr lang="ru-RU" sz="2800" b="1" dirty="0"/>
+              <a:t>в </a:t>
+            </a:r>
+            <a:r>
+              <a:rPr lang="ru-RU" sz="2800" b="1" dirty="0" err="1"/>
+              <a:t>репозитории</a:t>
+            </a:r>
+            <a:r>
+              <a:rPr lang="ru-RU" sz="2800" b="1" dirty="0"/>
+              <a:t> </a:t>
+            </a:r>
+            <a:r>
+              <a:rPr lang="en-US" sz="2800" b="1" dirty="0">
+                <a:solidFill>
+                  <a:srgbClr val="00B050"/>
+                </a:solidFill>
+              </a:rPr>
+              <a:t>./</a:t>
+            </a:r>
+            <a:r>
+              <a:rPr lang="en-US" sz="2800" b="1" dirty="0" err="1">
+                <a:solidFill>
+                  <a:srgbClr val="00B050"/>
+                </a:solidFill>
+              </a:rPr>
+              <a:t>src</a:t>
+            </a:r>
+            <a:r>
+              <a:rPr lang="en-US" sz="2800" b="1" dirty="0">
+                <a:solidFill>
+                  <a:srgbClr val="00B050"/>
+                </a:solidFill>
+              </a:rPr>
+              <a:t>/</a:t>
+            </a:r>
+            <a:r>
+              <a:rPr lang="en-US" sz="2800" b="1" dirty="0" err="1">
+                <a:solidFill>
+                  <a:srgbClr val="00B050"/>
+                </a:solidFill>
+              </a:rPr>
+              <a:t>nbu</a:t>
+            </a:r>
+            <a:r>
+              <a:rPr lang="en-US" sz="2800" b="1" dirty="0">
+                <a:solidFill>
+                  <a:srgbClr val="00B050"/>
+                </a:solidFill>
+              </a:rPr>
+              <a:t>-</a:t>
+            </a:r>
+            <a:r>
+              <a:rPr lang="en-US" sz="2800" b="1" dirty="0" err="1">
+                <a:solidFill>
+                  <a:srgbClr val="00B050"/>
+                </a:solidFill>
+              </a:rPr>
+              <a:t>api</a:t>
+            </a:r>
+            <a:r>
+              <a:rPr lang="en-US" sz="2800" b="1">
+                <a:solidFill>
+                  <a:srgbClr val="00B050"/>
+                </a:solidFill>
+              </a:rPr>
+              <a:t>-template</a:t>
+            </a:r>
+            <a:r>
+              <a:rPr lang="ru-RU" sz="2800" b="1">
+                <a:solidFill>
+                  <a:srgbClr val="00B050"/>
+                </a:solidFill>
+              </a:rPr>
+              <a:t>/</a:t>
+            </a:r>
+            <a:endParaRPr lang="en-US" sz="2800" b="1" dirty="0">
+              <a:solidFill>
+                <a:srgbClr val="00B050"/>
+              </a:solidFill>
+            </a:endParaRPr>
+          </a:p>
+        </p:txBody>
+      </p:sp>
+      <p:pic>
+        <p:nvPicPr>
+          <p:cNvPr id="7" name="Picture 2" descr="https://bank.gov.ua/frontend/content/logo.png?v=4"/>
+          <p:cNvPicPr>
+            <a:picLocks noChangeAspect="1" noChangeArrowheads="1"/>
+          </p:cNvPicPr>
+          <p:nvPr/>
+        </p:nvPicPr>
+        <p:blipFill>
+          <a:blip r:embed="rId2">
+            <a:extLst>
+              <a:ext uri="{28A0092B-C50C-407E-A947-70E740481C1C}">
+                <a14:useLocalDpi xmlns:a14="http://schemas.microsoft.com/office/drawing/2010/main" val="0"/>
+              </a:ext>
+            </a:extLst>
+          </a:blip>
+          <a:srcRect/>
+          <a:stretch>
+            <a:fillRect/>
+          </a:stretch>
+        </p:blipFill>
+        <p:spPr bwMode="auto">
+          <a:xfrm>
+            <a:off x="1199456" y="1427080"/>
+            <a:ext cx="4536504" cy="1209736"/>
+          </a:xfrm>
+          <a:prstGeom prst="rect">
+            <a:avLst/>
+          </a:prstGeom>
+          <a:noFill/>
+          <a:extLst>
+            <a:ext uri="{909E8E84-426E-40DD-AFC4-6F175D3DCCD1}">
+              <a14:hiddenFill xmlns:a14="http://schemas.microsoft.com/office/drawing/2010/main">
+                <a:solidFill>
+                  <a:srgbClr val="FFFFFF"/>
+                </a:solidFill>
+              </a14:hiddenFill>
+            </a:ext>
+          </a:extLst>
+        </p:spPr>
+      </p:pic>
+      <p:sp>
+        <p:nvSpPr>
+          <p:cNvPr id="3" name="TextBox 2"/>
+          <p:cNvSpPr txBox="1"/>
+          <p:nvPr/>
+        </p:nvSpPr>
+        <p:spPr>
+          <a:xfrm>
+            <a:off x="1703512" y="3464517"/>
+            <a:ext cx="3631122" cy="1477328"/>
+          </a:xfrm>
+          <a:prstGeom prst="rect">
+            <a:avLst/>
+          </a:prstGeom>
+        </p:spPr>
+        <p:style>
+          <a:lnRef idx="2">
+            <a:schemeClr val="accent6"/>
+          </a:lnRef>
+          <a:fillRef idx="1">
+            <a:schemeClr val="lt1"/>
+          </a:fillRef>
+          <a:effectRef idx="0">
+            <a:schemeClr val="accent6"/>
+          </a:effectRef>
+          <a:fontRef idx="minor">
+            <a:schemeClr val="dk1"/>
+          </a:fontRef>
+        </p:style>
+        <p:txBody>
+          <a:bodyPr wrap="none" rtlCol="0">
+            <a:spAutoFit/>
+          </a:bodyPr>
+          <a:lstStyle/>
+          <a:p>
+            <a:r>
+              <a:rPr lang="ru-RU" b="1" dirty="0">
+                <a:latin typeface="Courier New" panose="02070309020205020404" pitchFamily="49" charset="0"/>
+                <a:cs typeface="Courier New" panose="02070309020205020404" pitchFamily="49" charset="0"/>
+              </a:rPr>
+              <a:t>…</a:t>
+            </a:r>
+          </a:p>
+          <a:p>
+            <a:r>
+              <a:rPr lang="ru-RU" b="1" dirty="0">
+                <a:latin typeface="Courier New" panose="02070309020205020404" pitchFamily="49" charset="0"/>
+                <a:cs typeface="Courier New" panose="02070309020205020404" pitchFamily="49" charset="0"/>
+              </a:rPr>
+              <a:t>2021-01-01: 1450000 </a:t>
+            </a:r>
+            <a:r>
+              <a:rPr lang="ru-RU" b="1" dirty="0" err="1">
+                <a:latin typeface="Courier New" panose="02070309020205020404" pitchFamily="49" charset="0"/>
+                <a:cs typeface="Courier New" panose="02070309020205020404" pitchFamily="49" charset="0"/>
+              </a:rPr>
+              <a:t>грн</a:t>
+            </a:r>
+            <a:r>
+              <a:rPr lang="ru-RU" b="1" dirty="0">
+                <a:latin typeface="Courier New" panose="02070309020205020404" pitchFamily="49" charset="0"/>
+                <a:cs typeface="Courier New" panose="02070309020205020404" pitchFamily="49" charset="0"/>
+              </a:rPr>
+              <a:t>;</a:t>
+            </a:r>
+          </a:p>
+          <a:p>
+            <a:r>
+              <a:rPr lang="ru-RU" b="1" dirty="0">
+                <a:latin typeface="Courier New" panose="02070309020205020404" pitchFamily="49" charset="0"/>
+                <a:cs typeface="Courier New" panose="02070309020205020404" pitchFamily="49" charset="0"/>
+              </a:rPr>
+              <a:t>2021-02-03: 5000000 </a:t>
+            </a:r>
+            <a:r>
+              <a:rPr lang="ru-RU" b="1" dirty="0" err="1">
+                <a:latin typeface="Courier New" panose="02070309020205020404" pitchFamily="49" charset="0"/>
+                <a:cs typeface="Courier New" panose="02070309020205020404" pitchFamily="49" charset="0"/>
+              </a:rPr>
+              <a:t>грн</a:t>
+            </a:r>
+            <a:r>
+              <a:rPr lang="ru-RU" b="1" dirty="0">
+                <a:latin typeface="Courier New" panose="02070309020205020404" pitchFamily="49" charset="0"/>
+                <a:cs typeface="Courier New" panose="02070309020205020404" pitchFamily="49" charset="0"/>
+              </a:rPr>
+              <a:t>;</a:t>
+            </a:r>
+          </a:p>
+          <a:p>
+            <a:r>
+              <a:rPr lang="ru-RU" b="1" dirty="0">
+                <a:latin typeface="Courier New" panose="02070309020205020404" pitchFamily="49" charset="0"/>
+                <a:cs typeface="Courier New" panose="02070309020205020404" pitchFamily="49" charset="0"/>
+              </a:rPr>
+              <a:t>2021-03-23: 17900000 </a:t>
+            </a:r>
+            <a:r>
+              <a:rPr lang="ru-RU" b="1" dirty="0" err="1">
+                <a:latin typeface="Courier New" panose="02070309020205020404" pitchFamily="49" charset="0"/>
+                <a:cs typeface="Courier New" panose="02070309020205020404" pitchFamily="49" charset="0"/>
+              </a:rPr>
+              <a:t>грн</a:t>
+            </a:r>
+            <a:r>
+              <a:rPr lang="ru-RU" b="1" dirty="0">
+                <a:latin typeface="Courier New" panose="02070309020205020404" pitchFamily="49" charset="0"/>
+                <a:cs typeface="Courier New" panose="02070309020205020404" pitchFamily="49" charset="0"/>
+              </a:rPr>
+              <a:t>;</a:t>
+            </a:r>
+          </a:p>
+          <a:p>
+            <a:r>
+              <a:rPr lang="ru-RU" b="1" dirty="0">
+                <a:latin typeface="Courier New" panose="02070309020205020404" pitchFamily="49" charset="0"/>
+                <a:cs typeface="Courier New" panose="02070309020205020404" pitchFamily="49" charset="0"/>
+              </a:rPr>
+              <a:t>…</a:t>
+            </a:r>
+          </a:p>
+        </p:txBody>
+      </p:sp>
+    </p:spTree>
+    <p:extLst>
+      <p:ext uri="{BB962C8B-B14F-4D97-AF65-F5344CB8AC3E}">
+        <p14:creationId xmlns:p14="http://schemas.microsoft.com/office/powerpoint/2010/main" val="4250416377"/>
       </p:ext>
     </p:extLst>
   </p:cSld>

--- a/lesson03.pptx
+++ b/lesson03.pptx
@@ -28,12 +28,12 @@
     <p:sldId id="415" r:id="rId19"/>
     <p:sldId id="416" r:id="rId20"/>
     <p:sldId id="417" r:id="rId21"/>
-    <p:sldId id="433" r:id="rId22"/>
-    <p:sldId id="434" r:id="rId23"/>
-    <p:sldId id="440" r:id="rId24"/>
-    <p:sldId id="441" r:id="rId25"/>
-    <p:sldId id="442" r:id="rId26"/>
-    <p:sldId id="443" r:id="rId27"/>
+    <p:sldId id="444" r:id="rId22"/>
+    <p:sldId id="445" r:id="rId23"/>
+    <p:sldId id="433" r:id="rId24"/>
+    <p:sldId id="434" r:id="rId25"/>
+    <p:sldId id="440" r:id="rId26"/>
+    <p:sldId id="441" r:id="rId27"/>
     <p:sldId id="429" r:id="rId28"/>
     <p:sldId id="430" r:id="rId29"/>
     <p:sldId id="432" r:id="rId30"/>
@@ -159,8 +159,7 @@
 <file path=ppt/revisionInfo.xml><?xml version="1.0" encoding="utf-8"?>
 <p1510:revInfo xmlns:a="http://schemas.openxmlformats.org/drawingml/2006/main" xmlns:r="http://schemas.openxmlformats.org/officeDocument/2006/relationships" xmlns:p1510="http://schemas.microsoft.com/office/powerpoint/2015/10/main">
   <p1510:revLst>
-    <p1510:client id="{2F8F9F80-C6B2-4070-94A7-BA44FFDF245B}" v="3" dt="2021-02-10T20:59:47.885"/>
-    <p1510:client id="{9B3C616B-A880-49D9-B1FE-9545B26140D1}" v="15" dt="2021-02-10T20:50:57.266"/>
+    <p1510:client id="{2F8F9F80-C6B2-4070-94A7-BA44FFDF245B}" v="5" dt="2021-02-13T07:47:08.834"/>
   </p1510:revLst>
 </p1510:revInfo>
 </file>
@@ -169,13 +168,13 @@
 <pc:chgInfo xmlns:a="http://schemas.openxmlformats.org/drawingml/2006/main" xmlns:r="http://schemas.openxmlformats.org/officeDocument/2006/relationships" xmlns:ac="http://schemas.microsoft.com/office/drawing/2013/main/command" xmlns:pc="http://schemas.microsoft.com/office/powerpoint/2013/main/command">
   <pc:docChgLst>
     <pc:chgData name="Anatoliy Kigel" userId="7432c6c4687b0a9c" providerId="LiveId" clId="{2F8F9F80-C6B2-4070-94A7-BA44FFDF245B}"/>
-    <pc:docChg chg="custSel addSld modSld">
-      <pc:chgData name="Anatoliy Kigel" userId="7432c6c4687b0a9c" providerId="LiveId" clId="{2F8F9F80-C6B2-4070-94A7-BA44FFDF245B}" dt="2021-02-10T21:02:08.259" v="683" actId="1076"/>
+    <pc:docChg chg="custSel addSld delSld modSld sldOrd">
+      <pc:chgData name="Anatoliy Kigel" userId="7432c6c4687b0a9c" providerId="LiveId" clId="{2F8F9F80-C6B2-4070-94A7-BA44FFDF245B}" dt="2021-02-13T07:48:06.283" v="784" actId="47"/>
       <pc:docMkLst>
         <pc:docMk/>
       </pc:docMkLst>
-      <pc:sldChg chg="modSp add mod">
-        <pc:chgData name="Anatoliy Kigel" userId="7432c6c4687b0a9c" providerId="LiveId" clId="{2F8F9F80-C6B2-4070-94A7-BA44FFDF245B}" dt="2021-02-10T20:57:29.426" v="3" actId="20577"/>
+      <pc:sldChg chg="modSp add del mod">
+        <pc:chgData name="Anatoliy Kigel" userId="7432c6c4687b0a9c" providerId="LiveId" clId="{2F8F9F80-C6B2-4070-94A7-BA44FFDF245B}" dt="2021-02-13T07:48:06.283" v="784" actId="47"/>
         <pc:sldMkLst>
           <pc:docMk/>
           <pc:sldMk cId="439336892" sldId="442"/>
@@ -189,8 +188,8 @@
           </ac:spMkLst>
         </pc:spChg>
       </pc:sldChg>
-      <pc:sldChg chg="addSp delSp modSp add mod replId">
-        <pc:chgData name="Anatoliy Kigel" userId="7432c6c4687b0a9c" providerId="LiveId" clId="{2F8F9F80-C6B2-4070-94A7-BA44FFDF245B}" dt="2021-02-10T21:02:08.259" v="683" actId="1076"/>
+      <pc:sldChg chg="addSp delSp modSp add del mod replId">
+        <pc:chgData name="Anatoliy Kigel" userId="7432c6c4687b0a9c" providerId="LiveId" clId="{2F8F9F80-C6B2-4070-94A7-BA44FFDF245B}" dt="2021-02-13T07:48:06.283" v="784" actId="47"/>
         <pc:sldMkLst>
           <pc:docMk/>
           <pc:sldMk cId="418182098" sldId="443"/>
@@ -251,6 +250,52 @@
             <ac:picMk id="1026" creationId="{88DE0176-A715-4340-9685-C7572CB4E69C}"/>
           </ac:picMkLst>
         </pc:picChg>
+      </pc:sldChg>
+      <pc:sldChg chg="modSp add mod ord">
+        <pc:chgData name="Anatoliy Kigel" userId="7432c6c4687b0a9c" providerId="LiveId" clId="{2F8F9F80-C6B2-4070-94A7-BA44FFDF245B}" dt="2021-02-13T07:46:57.548" v="738" actId="20577"/>
+        <pc:sldMkLst>
+          <pc:docMk/>
+          <pc:sldMk cId="3629179064" sldId="444"/>
+        </pc:sldMkLst>
+        <pc:spChg chg="mod">
+          <ac:chgData name="Anatoliy Kigel" userId="7432c6c4687b0a9c" providerId="LiveId" clId="{2F8F9F80-C6B2-4070-94A7-BA44FFDF245B}" dt="2021-02-13T07:46:57.548" v="738" actId="20577"/>
+          <ac:spMkLst>
+            <pc:docMk/>
+            <pc:sldMk cId="3629179064" sldId="444"/>
+            <ac:spMk id="5" creationId="{00000000-0000-0000-0000-000000000000}"/>
+          </ac:spMkLst>
+        </pc:spChg>
+      </pc:sldChg>
+      <pc:sldChg chg="addSp modSp add mod">
+        <pc:chgData name="Anatoliy Kigel" userId="7432c6c4687b0a9c" providerId="LiveId" clId="{2F8F9F80-C6B2-4070-94A7-BA44FFDF245B}" dt="2021-02-13T07:47:59.700" v="783" actId="6549"/>
+        <pc:sldMkLst>
+          <pc:docMk/>
+          <pc:sldMk cId="3261584014" sldId="445"/>
+        </pc:sldMkLst>
+        <pc:spChg chg="add mod">
+          <ac:chgData name="Anatoliy Kigel" userId="7432c6c4687b0a9c" providerId="LiveId" clId="{2F8F9F80-C6B2-4070-94A7-BA44FFDF245B}" dt="2021-02-13T07:47:59.700" v="783" actId="6549"/>
+          <ac:spMkLst>
+            <pc:docMk/>
+            <pc:sldMk cId="3261584014" sldId="445"/>
+            <ac:spMk id="5" creationId="{214E0A83-DB5B-4E23-A73B-34C0F023A5FD}"/>
+          </ac:spMkLst>
+        </pc:spChg>
+        <pc:spChg chg="mod">
+          <ac:chgData name="Anatoliy Kigel" userId="7432c6c4687b0a9c" providerId="LiveId" clId="{2F8F9F80-C6B2-4070-94A7-BA44FFDF245B}" dt="2021-02-13T07:47:52.108" v="774" actId="20577"/>
+          <ac:spMkLst>
+            <pc:docMk/>
+            <pc:sldMk cId="3261584014" sldId="445"/>
+            <ac:spMk id="6" creationId="{8A480350-1295-4FAB-B86F-616F3FCDD71A}"/>
+          </ac:spMkLst>
+        </pc:spChg>
+        <pc:spChg chg="add mod">
+          <ac:chgData name="Anatoliy Kigel" userId="7432c6c4687b0a9c" providerId="LiveId" clId="{2F8F9F80-C6B2-4070-94A7-BA44FFDF245B}" dt="2021-02-13T07:47:20.928" v="748" actId="14100"/>
+          <ac:spMkLst>
+            <pc:docMk/>
+            <pc:sldMk cId="3261584014" sldId="445"/>
+            <ac:spMk id="7" creationId="{B8BF4F8F-BEF7-4D08-9F71-3D05173FAF1A}"/>
+          </ac:spMkLst>
+        </pc:spChg>
       </pc:sldChg>
     </pc:docChg>
   </pc:docChgLst>
@@ -658,7 +703,7 @@
             <a:fld id="{85522811-C5C6-42D2-A409-F8556720C93F}" type="datetimeFigureOut">
               <a:rPr lang="uk-UA" smtClean="0"/>
               <a:pPr/>
-              <a:t>10.02.2021</a:t>
+              <a:t>13.02.2021</a:t>
             </a:fld>
             <a:endParaRPr lang="uk-UA"/>
           </a:p>
@@ -1198,7 +1243,7 @@
             <a:fld id="{E6FC6B0D-6115-4D7C-8040-9C8E2349BB6E}" type="datetime1">
               <a:rPr lang="uk-UA" smtClean="0"/>
               <a:pPr/>
-              <a:t>10.02.2021</a:t>
+              <a:t>13.02.2021</a:t>
             </a:fld>
             <a:endParaRPr lang="uk-UA"/>
           </a:p>
@@ -1365,7 +1410,7 @@
             <a:fld id="{996367BA-0A39-4DE2-BFC3-D5290044365E}" type="datetime1">
               <a:rPr lang="uk-UA" smtClean="0"/>
               <a:pPr/>
-              <a:t>10.02.2021</a:t>
+              <a:t>13.02.2021</a:t>
             </a:fld>
             <a:endParaRPr lang="uk-UA"/>
           </a:p>
@@ -1542,7 +1587,7 @@
             <a:fld id="{1BD6A67F-6C29-47DC-AF8A-FDB3C787DF70}" type="datetime1">
               <a:rPr lang="uk-UA" smtClean="0"/>
               <a:pPr/>
-              <a:t>10.02.2021</a:t>
+              <a:t>13.02.2021</a:t>
             </a:fld>
             <a:endParaRPr lang="uk-UA"/>
           </a:p>
@@ -1709,7 +1754,7 @@
             <a:fld id="{1657D9C5-7FF1-434F-B56E-9BAD559744E9}" type="datetime1">
               <a:rPr lang="uk-UA" smtClean="0"/>
               <a:pPr/>
-              <a:t>10.02.2021</a:t>
+              <a:t>13.02.2021</a:t>
             </a:fld>
             <a:endParaRPr lang="uk-UA"/>
           </a:p>
@@ -1952,7 +1997,7 @@
             <a:fld id="{2CEB0FC9-DE63-476B-A1A9-BE934D9049F8}" type="datetime1">
               <a:rPr lang="uk-UA" smtClean="0"/>
               <a:pPr/>
-              <a:t>10.02.2021</a:t>
+              <a:t>13.02.2021</a:t>
             </a:fld>
             <a:endParaRPr lang="uk-UA"/>
           </a:p>
@@ -2237,7 +2282,7 @@
             <a:fld id="{F964460F-86E2-4DF6-9D0F-12F5005CF375}" type="datetime1">
               <a:rPr lang="uk-UA" smtClean="0"/>
               <a:pPr/>
-              <a:t>10.02.2021</a:t>
+              <a:t>13.02.2021</a:t>
             </a:fld>
             <a:endParaRPr lang="uk-UA"/>
           </a:p>
@@ -2656,7 +2701,7 @@
             <a:fld id="{C521715E-DDCD-4267-B0A5-2918B6F6768A}" type="datetime1">
               <a:rPr lang="uk-UA" smtClean="0"/>
               <a:pPr/>
-              <a:t>10.02.2021</a:t>
+              <a:t>13.02.2021</a:t>
             </a:fld>
             <a:endParaRPr lang="uk-UA"/>
           </a:p>
@@ -2771,7 +2816,7 @@
             <a:fld id="{9289842C-EB2D-4EBB-A272-2F6A49D9794D}" type="datetime1">
               <a:rPr lang="uk-UA" smtClean="0"/>
               <a:pPr/>
-              <a:t>10.02.2021</a:t>
+              <a:t>13.02.2021</a:t>
             </a:fld>
             <a:endParaRPr lang="uk-UA"/>
           </a:p>
@@ -2863,7 +2908,7 @@
             <a:fld id="{D036F091-B700-4B52-99AC-85D0FD94D904}" type="datetime1">
               <a:rPr lang="uk-UA" smtClean="0"/>
               <a:pPr/>
-              <a:t>10.02.2021</a:t>
+              <a:t>13.02.2021</a:t>
             </a:fld>
             <a:endParaRPr lang="uk-UA"/>
           </a:p>
@@ -3137,7 +3182,7 @@
             <a:fld id="{B35DFABA-3811-4634-B803-2EAC4CD0063B}" type="datetime1">
               <a:rPr lang="uk-UA" smtClean="0"/>
               <a:pPr/>
-              <a:t>10.02.2021</a:t>
+              <a:t>13.02.2021</a:t>
             </a:fld>
             <a:endParaRPr lang="uk-UA"/>
           </a:p>
@@ -3387,7 +3432,7 @@
             <a:fld id="{8A9EA25E-F88E-463A-A119-D1E55A881002}" type="datetime1">
               <a:rPr lang="uk-UA" smtClean="0"/>
               <a:pPr/>
-              <a:t>10.02.2021</a:t>
+              <a:t>13.02.2021</a:t>
             </a:fld>
             <a:endParaRPr lang="uk-UA"/>
           </a:p>
@@ -3597,7 +3642,7 @@
             <a:fld id="{E708ED03-0080-49A2-B709-7DA4ACB3A1C3}" type="datetime1">
               <a:rPr lang="uk-UA" smtClean="0"/>
               <a:pPr/>
-              <a:t>10.02.2021</a:t>
+              <a:t>13.02.2021</a:t>
             </a:fld>
             <a:endParaRPr lang="uk-UA"/>
           </a:p>
@@ -6738,11 +6783,14 @@
             <a:pPr algn="ctr"/>
             <a:r>
               <a:rPr lang="ru-RU" sz="6000" b="1" dirty="0"/>
-              <a:t>Немного практики</a:t>
-            </a:r>
-            <a:r>
-              <a:rPr lang="en-US" sz="6000" b="1" dirty="0"/>
-              <a:t> #4</a:t>
+              <a:t>Где сортировка может </a:t>
+            </a:r>
+            <a:br>
+              <a:rPr lang="ru-RU" sz="6000" b="1" dirty="0"/>
+            </a:br>
+            <a:r>
+              <a:rPr lang="ru-RU" sz="6000" b="1" dirty="0"/>
+              <a:t>пригодиться?</a:t>
             </a:r>
             <a:endParaRPr lang="uk-UA" sz="6000" b="1" dirty="0"/>
           </a:p>
@@ -6751,7 +6799,7 @@
     </p:spTree>
     <p:extLst>
       <p:ext uri="{BB962C8B-B14F-4D97-AF65-F5344CB8AC3E}">
-        <p14:creationId xmlns:p14="http://schemas.microsoft.com/office/powerpoint/2010/main" val="1635117349"/>
+        <p14:creationId xmlns:p14="http://schemas.microsoft.com/office/powerpoint/2010/main" val="3629179064"/>
       </p:ext>
     </p:extLst>
   </p:cSld>
@@ -6850,40 +6898,6 @@
       </p:sp>
       <p:sp>
         <p:nvSpPr>
-          <p:cNvPr id="5" name="Заголовок 4"/>
-          <p:cNvSpPr>
-            <a:spLocks noGrp="1"/>
-          </p:cNvSpPr>
-          <p:nvPr>
-            <p:ph type="title"/>
-          </p:nvPr>
-        </p:nvSpPr>
-        <p:spPr>
-          <a:xfrm>
-            <a:off x="0" y="701824"/>
-            <a:ext cx="12192000" cy="710952"/>
-          </a:xfrm>
-        </p:spPr>
-        <p:txBody>
-          <a:bodyPr>
-            <a:normAutofit/>
-          </a:bodyPr>
-          <a:lstStyle/>
-          <a:p>
-            <a:r>
-              <a:rPr lang="ru-RU" sz="4000" b="1" dirty="0"/>
-              <a:t>Узнаем размер госдолга</a:t>
-            </a:r>
-            <a:endParaRPr lang="ru-RU" sz="4000" b="1" dirty="0">
-              <a:solidFill>
-                <a:srgbClr val="00B050"/>
-              </a:solidFill>
-            </a:endParaRPr>
-          </a:p>
-        </p:txBody>
-      </p:sp>
-      <p:sp>
-        <p:nvSpPr>
           <p:cNvPr id="43012" name="Rectangle 4"/>
           <p:cNvSpPr>
             <a:spLocks noChangeArrowheads="1"/>
@@ -6935,97 +6949,67 @@
       </p:sp>
       <p:sp>
         <p:nvSpPr>
-          <p:cNvPr id="2" name="Прямоугольник 1"/>
-          <p:cNvSpPr/>
-          <p:nvPr/>
-        </p:nvSpPr>
-        <p:spPr>
-          <a:xfrm>
-            <a:off x="0" y="4633972"/>
-            <a:ext cx="12192000" cy="523220"/>
-          </a:xfrm>
-          <a:prstGeom prst="rect">
-            <a:avLst/>
-          </a:prstGeom>
-        </p:spPr>
-        <p:txBody>
-          <a:bodyPr wrap="square">
-            <a:spAutoFit/>
-          </a:bodyPr>
-          <a:lstStyle/>
-          <a:p>
-            <a:pPr algn="ctr"/>
-            <a:r>
-              <a:rPr lang="en-US" sz="2800" b="1" dirty="0">
-                <a:solidFill>
-                  <a:schemeClr val="accent6">
-                    <a:lumMod val="75000"/>
-                  </a:schemeClr>
-                </a:solidFill>
-                <a:hlinkClick r:id="rId2"/>
-              </a:rPr>
-              <a:t>https://bank.gov.ua/ua/open-data/api-dev</a:t>
-            </a:r>
-            <a:endParaRPr lang="uk-UA" sz="2800" b="1" dirty="0">
-              <a:solidFill>
-                <a:schemeClr val="accent6">
-                  <a:lumMod val="75000"/>
-                </a:schemeClr>
-              </a:solidFill>
-            </a:endParaRPr>
-          </a:p>
-        </p:txBody>
-      </p:sp>
-      <p:pic>
-        <p:nvPicPr>
-          <p:cNvPr id="2050" name="Picture 2" descr="https://bank.gov.ua/frontend/content/logo.png?v=4"/>
-          <p:cNvPicPr>
-            <a:picLocks noChangeAspect="1" noChangeArrowheads="1"/>
-          </p:cNvPicPr>
-          <p:nvPr/>
-        </p:nvPicPr>
-        <p:blipFill>
-          <a:blip r:embed="rId3">
+          <p:cNvPr id="6" name="TextBox 5">
             <a:extLst>
-              <a:ext uri="{28A0092B-C50C-407E-A947-70E740481C1C}">
-                <a14:useLocalDpi xmlns:a14="http://schemas.microsoft.com/office/drawing/2010/main" val="0"/>
+              <a:ext uri="{FF2B5EF4-FFF2-40B4-BE49-F238E27FC236}">
+                <a16:creationId xmlns:a16="http://schemas.microsoft.com/office/drawing/2014/main" id="{8A480350-1295-4FAB-B86F-616F3FCDD71A}"/>
               </a:ext>
             </a:extLst>
-          </a:blip>
-          <a:srcRect/>
-          <a:stretch>
-            <a:fillRect/>
-          </a:stretch>
-        </p:blipFill>
-        <p:spPr bwMode="auto">
-          <a:xfrm>
-            <a:off x="2944895" y="1893965"/>
-            <a:ext cx="6302210" cy="1680591"/>
+          </p:cNvPr>
+          <p:cNvSpPr txBox="1"/>
+          <p:nvPr/>
+        </p:nvSpPr>
+        <p:spPr>
+          <a:xfrm>
+            <a:off x="2999656" y="1772816"/>
+            <a:ext cx="6696744" cy="2246769"/>
           </a:xfrm>
           <a:prstGeom prst="rect">
             <a:avLst/>
           </a:prstGeom>
           <a:noFill/>
-          <a:extLst>
-            <a:ext uri="{909E8E84-426E-40DD-AFC4-6F175D3DCCD1}">
-              <a14:hiddenFill xmlns:a14="http://schemas.microsoft.com/office/drawing/2010/main">
-                <a:solidFill>
-                  <a:srgbClr val="FFFFFF"/>
-                </a:solidFill>
-              </a14:hiddenFill>
-            </a:ext>
-          </a:extLst>
-        </p:spPr>
-      </p:pic>
-      <p:sp>
-        <p:nvSpPr>
-          <p:cNvPr id="7" name="Прямоугольник 6"/>
+        </p:spPr>
+        <p:txBody>
+          <a:bodyPr wrap="square" rtlCol="0">
+            <a:spAutoFit/>
+          </a:bodyPr>
+          <a:lstStyle/>
+          <a:p>
+            <a:r>
+              <a:rPr lang="ru-RU" sz="2800" b="1" dirty="0"/>
+              <a:t>Задача</a:t>
+            </a:r>
+            <a:r>
+              <a:rPr lang="ru-RU" sz="2800" dirty="0"/>
+              <a:t>: Есть массив из объектов в котором есть данные о человека и его оценке по «ЗНО». Необходимо вывести список </a:t>
+            </a:r>
+            <a:r>
+              <a:rPr lang="ru-RU" sz="2800" b="1" dirty="0"/>
+              <a:t>ТОП-3</a:t>
+            </a:r>
+            <a:r>
+              <a:rPr lang="ru-RU" sz="2800" dirty="0"/>
+              <a:t> лучших по результатам сдачи «ЗНО».</a:t>
+            </a:r>
+            <a:endParaRPr lang="uk-UA" sz="2800" dirty="0"/>
+          </a:p>
+        </p:txBody>
+      </p:sp>
+      <p:sp>
+        <p:nvSpPr>
+          <p:cNvPr id="5" name="Прямоугольник 6">
+            <a:extLst>
+              <a:ext uri="{FF2B5EF4-FFF2-40B4-BE49-F238E27FC236}">
+                <a16:creationId xmlns:a16="http://schemas.microsoft.com/office/drawing/2014/main" id="{214E0A83-DB5B-4E23-A73B-34C0F023A5FD}"/>
+              </a:ext>
+            </a:extLst>
+          </p:cNvPr>
           <p:cNvSpPr/>
           <p:nvPr/>
         </p:nvSpPr>
         <p:spPr>
           <a:xfrm>
-            <a:off x="0" y="5517232"/>
+            <a:off x="0" y="5858108"/>
             <a:ext cx="12192000" cy="523220"/>
           </a:xfrm>
           <a:prstGeom prst="rect">
@@ -7081,23 +7065,7 @@
                   <a:srgbClr val="00B050"/>
                 </a:solidFill>
               </a:rPr>
-              <a:t>nbu</a:t>
-            </a:r>
-            <a:r>
-              <a:rPr lang="en-US" sz="2800" b="1" dirty="0">
-                <a:solidFill>
-                  <a:srgbClr val="00B050"/>
-                </a:solidFill>
-              </a:rPr>
-              <a:t>-</a:t>
-            </a:r>
-            <a:r>
-              <a:rPr lang="en-US" sz="2800" b="1" dirty="0" err="1">
-                <a:solidFill>
-                  <a:srgbClr val="00B050"/>
-                </a:solidFill>
-              </a:rPr>
-              <a:t>api</a:t>
+              <a:t>zno</a:t>
             </a:r>
             <a:r>
               <a:rPr lang="en-US" sz="2800" b="1" dirty="0">
@@ -7123,10 +7091,54 @@
           </a:p>
         </p:txBody>
       </p:sp>
+      <p:sp>
+        <p:nvSpPr>
+          <p:cNvPr id="7" name="TextBox 6">
+            <a:extLst>
+              <a:ext uri="{FF2B5EF4-FFF2-40B4-BE49-F238E27FC236}">
+                <a16:creationId xmlns:a16="http://schemas.microsoft.com/office/drawing/2014/main" id="{B8BF4F8F-BEF7-4D08-9F71-3D05173FAF1A}"/>
+              </a:ext>
+            </a:extLst>
+          </p:cNvPr>
+          <p:cNvSpPr txBox="1"/>
+          <p:nvPr/>
+        </p:nvSpPr>
+        <p:spPr>
+          <a:xfrm>
+            <a:off x="0" y="501578"/>
+            <a:ext cx="12192000" cy="1077218"/>
+          </a:xfrm>
+          <a:prstGeom prst="rect">
+            <a:avLst/>
+          </a:prstGeom>
+          <a:noFill/>
+        </p:spPr>
+        <p:txBody>
+          <a:bodyPr wrap="square">
+            <a:spAutoFit/>
+          </a:bodyPr>
+          <a:lstStyle/>
+          <a:p>
+            <a:pPr algn="ctr"/>
+            <a:r>
+              <a:rPr lang="ru-RU" sz="3200" b="1" dirty="0"/>
+              <a:t>Где сортировка может </a:t>
+            </a:r>
+            <a:br>
+              <a:rPr lang="ru-RU" sz="3200" b="1" dirty="0"/>
+            </a:br>
+            <a:r>
+              <a:rPr lang="ru-RU" sz="3200" b="1" dirty="0"/>
+              <a:t>пригодиться?</a:t>
+            </a:r>
+            <a:endParaRPr lang="uk-UA" sz="3200" b="1" dirty="0"/>
+          </a:p>
+        </p:txBody>
+      </p:sp>
     </p:spTree>
     <p:extLst>
       <p:ext uri="{BB962C8B-B14F-4D97-AF65-F5344CB8AC3E}">
-        <p14:creationId xmlns:p14="http://schemas.microsoft.com/office/powerpoint/2010/main" val="616730309"/>
+        <p14:creationId xmlns:p14="http://schemas.microsoft.com/office/powerpoint/2010/main" val="3261584014"/>
       </p:ext>
     </p:extLst>
   </p:cSld>
@@ -7198,11 +7210,7 @@
             </a:r>
             <a:r>
               <a:rPr lang="en-US" sz="6000" b="1" dirty="0"/>
-              <a:t> #</a:t>
-            </a:r>
-            <a:r>
-              <a:rPr lang="ru-RU" sz="6000" b="1" dirty="0"/>
-              <a:t>5</a:t>
+              <a:t> #4</a:t>
             </a:r>
             <a:endParaRPr lang="uk-UA" sz="6000" b="1" dirty="0"/>
           </a:p>
@@ -7211,7 +7219,7 @@
     </p:spTree>
     <p:extLst>
       <p:ext uri="{BB962C8B-B14F-4D97-AF65-F5344CB8AC3E}">
-        <p14:creationId xmlns:p14="http://schemas.microsoft.com/office/powerpoint/2010/main" val="3482939532"/>
+        <p14:creationId xmlns:p14="http://schemas.microsoft.com/office/powerpoint/2010/main" val="1635117349"/>
       </p:ext>
     </p:extLst>
   </p:cSld>
@@ -7297,6 +7305,466 @@
                 <a:defRPr/>
               </a:pPr>
               <a:t>24</a:t>
+            </a:fld>
+            <a:endParaRPr lang="uk-UA" sz="2400" b="1" dirty="0">
+              <a:solidFill>
+                <a:schemeClr val="bg1">
+                  <a:lumMod val="50000"/>
+                </a:schemeClr>
+              </a:solidFill>
+            </a:endParaRPr>
+          </a:p>
+        </p:txBody>
+      </p:sp>
+      <p:sp>
+        <p:nvSpPr>
+          <p:cNvPr id="5" name="Заголовок 4"/>
+          <p:cNvSpPr>
+            <a:spLocks noGrp="1"/>
+          </p:cNvSpPr>
+          <p:nvPr>
+            <p:ph type="title"/>
+          </p:nvPr>
+        </p:nvSpPr>
+        <p:spPr>
+          <a:xfrm>
+            <a:off x="0" y="701824"/>
+            <a:ext cx="12192000" cy="710952"/>
+          </a:xfrm>
+        </p:spPr>
+        <p:txBody>
+          <a:bodyPr>
+            <a:normAutofit/>
+          </a:bodyPr>
+          <a:lstStyle/>
+          <a:p>
+            <a:r>
+              <a:rPr lang="ru-RU" sz="4000" b="1" dirty="0"/>
+              <a:t>Узнаем размер госдолга</a:t>
+            </a:r>
+            <a:endParaRPr lang="ru-RU" sz="4000" b="1" dirty="0">
+              <a:solidFill>
+                <a:srgbClr val="00B050"/>
+              </a:solidFill>
+            </a:endParaRPr>
+          </a:p>
+        </p:txBody>
+      </p:sp>
+      <p:sp>
+        <p:nvSpPr>
+          <p:cNvPr id="43012" name="Rectangle 4"/>
+          <p:cNvSpPr>
+            <a:spLocks noChangeArrowheads="1"/>
+          </p:cNvSpPr>
+          <p:nvPr/>
+        </p:nvSpPr>
+        <p:spPr bwMode="auto">
+          <a:xfrm>
+            <a:off x="3287689" y="5247293"/>
+            <a:ext cx="65" cy="276999"/>
+          </a:xfrm>
+          <a:prstGeom prst="rect">
+            <a:avLst/>
+          </a:prstGeom>
+          <a:solidFill>
+            <a:srgbClr val="FFFFFF"/>
+          </a:solidFill>
+          <a:ln w="9525">
+            <a:noFill/>
+            <a:miter lim="800000"/>
+            <a:headEnd/>
+            <a:tailEnd/>
+          </a:ln>
+          <a:effectLst/>
+        </p:spPr>
+        <p:txBody>
+          <a:bodyPr vert="horz" wrap="none" lIns="0" tIns="0" rIns="0" bIns="0" numCol="1" anchor="ctr" anchorCtr="0" compatLnSpc="1">
+            <a:prstTxWarp prst="textNoShape">
+              <a:avLst/>
+            </a:prstTxWarp>
+            <a:spAutoFit/>
+          </a:bodyPr>
+          <a:lstStyle/>
+          <a:p>
+            <a:pPr fontAlgn="base">
+              <a:spcBef>
+                <a:spcPct val="0"/>
+              </a:spcBef>
+              <a:spcAft>
+                <a:spcPct val="0"/>
+              </a:spcAft>
+            </a:pPr>
+            <a:endParaRPr lang="ru-RU" dirty="0">
+              <a:latin typeface="Arial" pitchFamily="34" charset="0"/>
+              <a:cs typeface="Arial" pitchFamily="34" charset="0"/>
+            </a:endParaRPr>
+          </a:p>
+        </p:txBody>
+      </p:sp>
+      <p:sp>
+        <p:nvSpPr>
+          <p:cNvPr id="2" name="Прямоугольник 1"/>
+          <p:cNvSpPr/>
+          <p:nvPr/>
+        </p:nvSpPr>
+        <p:spPr>
+          <a:xfrm>
+            <a:off x="0" y="4633972"/>
+            <a:ext cx="12192000" cy="523220"/>
+          </a:xfrm>
+          <a:prstGeom prst="rect">
+            <a:avLst/>
+          </a:prstGeom>
+        </p:spPr>
+        <p:txBody>
+          <a:bodyPr wrap="square">
+            <a:spAutoFit/>
+          </a:bodyPr>
+          <a:lstStyle/>
+          <a:p>
+            <a:pPr algn="ctr"/>
+            <a:r>
+              <a:rPr lang="en-US" sz="2800" b="1" dirty="0">
+                <a:solidFill>
+                  <a:schemeClr val="accent6">
+                    <a:lumMod val="75000"/>
+                  </a:schemeClr>
+                </a:solidFill>
+                <a:hlinkClick r:id="rId2"/>
+              </a:rPr>
+              <a:t>https://bank.gov.ua/ua/open-data/api-dev</a:t>
+            </a:r>
+            <a:endParaRPr lang="uk-UA" sz="2800" b="1" dirty="0">
+              <a:solidFill>
+                <a:schemeClr val="accent6">
+                  <a:lumMod val="75000"/>
+                </a:schemeClr>
+              </a:solidFill>
+            </a:endParaRPr>
+          </a:p>
+        </p:txBody>
+      </p:sp>
+      <p:pic>
+        <p:nvPicPr>
+          <p:cNvPr id="2050" name="Picture 2" descr="https://bank.gov.ua/frontend/content/logo.png?v=4"/>
+          <p:cNvPicPr>
+            <a:picLocks noChangeAspect="1" noChangeArrowheads="1"/>
+          </p:cNvPicPr>
+          <p:nvPr/>
+        </p:nvPicPr>
+        <p:blipFill>
+          <a:blip r:embed="rId3">
+            <a:extLst>
+              <a:ext uri="{28A0092B-C50C-407E-A947-70E740481C1C}">
+                <a14:useLocalDpi xmlns:a14="http://schemas.microsoft.com/office/drawing/2010/main" val="0"/>
+              </a:ext>
+            </a:extLst>
+          </a:blip>
+          <a:srcRect/>
+          <a:stretch>
+            <a:fillRect/>
+          </a:stretch>
+        </p:blipFill>
+        <p:spPr bwMode="auto">
+          <a:xfrm>
+            <a:off x="2944895" y="1893965"/>
+            <a:ext cx="6302210" cy="1680591"/>
+          </a:xfrm>
+          <a:prstGeom prst="rect">
+            <a:avLst/>
+          </a:prstGeom>
+          <a:noFill/>
+          <a:extLst>
+            <a:ext uri="{909E8E84-426E-40DD-AFC4-6F175D3DCCD1}">
+              <a14:hiddenFill xmlns:a14="http://schemas.microsoft.com/office/drawing/2010/main">
+                <a:solidFill>
+                  <a:srgbClr val="FFFFFF"/>
+                </a:solidFill>
+              </a14:hiddenFill>
+            </a:ext>
+          </a:extLst>
+        </p:spPr>
+      </p:pic>
+      <p:sp>
+        <p:nvSpPr>
+          <p:cNvPr id="7" name="Прямоугольник 6"/>
+          <p:cNvSpPr/>
+          <p:nvPr/>
+        </p:nvSpPr>
+        <p:spPr>
+          <a:xfrm>
+            <a:off x="0" y="5517232"/>
+            <a:ext cx="12192000" cy="523220"/>
+          </a:xfrm>
+          <a:prstGeom prst="rect">
+            <a:avLst/>
+          </a:prstGeom>
+        </p:spPr>
+        <p:txBody>
+          <a:bodyPr wrap="square">
+            <a:spAutoFit/>
+          </a:bodyPr>
+          <a:lstStyle/>
+          <a:p>
+            <a:pPr algn="ctr"/>
+            <a:r>
+              <a:rPr lang="ru-RU" sz="2800" b="1" dirty="0"/>
+              <a:t>В </a:t>
+            </a:r>
+            <a:r>
+              <a:rPr lang="ru-RU" sz="2800" b="1" dirty="0" err="1"/>
+              <a:t>репозитории</a:t>
+            </a:r>
+            <a:r>
+              <a:rPr lang="ru-RU" sz="2800" b="1" dirty="0"/>
+              <a:t> </a:t>
+            </a:r>
+            <a:r>
+              <a:rPr lang="en-US" sz="2800" b="1" dirty="0">
+                <a:solidFill>
+                  <a:srgbClr val="00B050"/>
+                </a:solidFill>
+              </a:rPr>
+              <a:t>./</a:t>
+            </a:r>
+            <a:r>
+              <a:rPr lang="en-US" sz="2800" b="1" dirty="0" err="1">
+                <a:solidFill>
+                  <a:srgbClr val="00B050"/>
+                </a:solidFill>
+              </a:rPr>
+              <a:t>src</a:t>
+            </a:r>
+            <a:r>
+              <a:rPr lang="en-US" sz="2800" b="1" dirty="0">
+                <a:solidFill>
+                  <a:srgbClr val="00B050"/>
+                </a:solidFill>
+              </a:rPr>
+              <a:t>/</a:t>
+            </a:r>
+            <a:r>
+              <a:rPr lang="en-US" sz="2800" b="1" dirty="0" err="1">
+                <a:solidFill>
+                  <a:srgbClr val="00B050"/>
+                </a:solidFill>
+              </a:rPr>
+              <a:t>nbu</a:t>
+            </a:r>
+            <a:r>
+              <a:rPr lang="en-US" sz="2800" b="1" dirty="0">
+                <a:solidFill>
+                  <a:srgbClr val="00B050"/>
+                </a:solidFill>
+              </a:rPr>
+              <a:t>-</a:t>
+            </a:r>
+            <a:r>
+              <a:rPr lang="en-US" sz="2800" b="1" dirty="0" err="1">
+                <a:solidFill>
+                  <a:srgbClr val="00B050"/>
+                </a:solidFill>
+              </a:rPr>
+              <a:t>api</a:t>
+            </a:r>
+            <a:r>
+              <a:rPr lang="en-US" sz="2800" b="1" dirty="0">
+                <a:solidFill>
+                  <a:srgbClr val="00B050"/>
+                </a:solidFill>
+              </a:rPr>
+              <a:t>-template</a:t>
+            </a:r>
+            <a:r>
+              <a:rPr lang="ru-RU" sz="2800" b="1" dirty="0">
+                <a:solidFill>
+                  <a:srgbClr val="00B050"/>
+                </a:solidFill>
+              </a:rPr>
+              <a:t>/</a:t>
+            </a:r>
+            <a:endParaRPr lang="en-US" sz="2800" b="1" dirty="0">
+              <a:solidFill>
+                <a:srgbClr val="00B050"/>
+              </a:solidFill>
+            </a:endParaRPr>
+          </a:p>
+        </p:txBody>
+      </p:sp>
+    </p:spTree>
+    <p:extLst>
+      <p:ext uri="{BB962C8B-B14F-4D97-AF65-F5344CB8AC3E}">
+        <p14:creationId xmlns:p14="http://schemas.microsoft.com/office/powerpoint/2010/main" val="616730309"/>
+      </p:ext>
+    </p:extLst>
+  </p:cSld>
+  <p:clrMapOvr>
+    <a:masterClrMapping/>
+  </p:clrMapOvr>
+</p:sld>
+</file>
+
+<file path=ppt/slides/slide25.xml><?xml version="1.0" encoding="utf-8"?>
+<p:sld xmlns:a="http://schemas.openxmlformats.org/drawingml/2006/main" xmlns:r="http://schemas.openxmlformats.org/officeDocument/2006/relationships" xmlns:p="http://schemas.openxmlformats.org/presentationml/2006/main">
+  <p:cSld>
+    <p:spTree>
+      <p:nvGrpSpPr>
+        <p:cNvPr id="1" name=""/>
+        <p:cNvGrpSpPr/>
+        <p:nvPr/>
+      </p:nvGrpSpPr>
+      <p:grpSpPr>
+        <a:xfrm>
+          <a:off x="0" y="0"/>
+          <a:ext cx="0" cy="0"/>
+          <a:chOff x="0" y="0"/>
+          <a:chExt cx="0" cy="0"/>
+        </a:xfrm>
+      </p:grpSpPr>
+      <p:sp>
+        <p:nvSpPr>
+          <p:cNvPr id="5" name="Прямоугольник 4"/>
+          <p:cNvSpPr/>
+          <p:nvPr/>
+        </p:nvSpPr>
+        <p:spPr>
+          <a:xfrm>
+            <a:off x="0" y="0"/>
+            <a:ext cx="12192000" cy="6858000"/>
+          </a:xfrm>
+          <a:prstGeom prst="rect">
+            <a:avLst/>
+          </a:prstGeom>
+          <a:solidFill>
+            <a:srgbClr val="002060"/>
+          </a:solidFill>
+        </p:spPr>
+        <p:style>
+          <a:lnRef idx="2">
+            <a:schemeClr val="accent1">
+              <a:shade val="50000"/>
+            </a:schemeClr>
+          </a:lnRef>
+          <a:fillRef idx="1">
+            <a:schemeClr val="accent1"/>
+          </a:fillRef>
+          <a:effectRef idx="0">
+            <a:schemeClr val="accent1"/>
+          </a:effectRef>
+          <a:fontRef idx="minor">
+            <a:schemeClr val="lt1"/>
+          </a:fontRef>
+        </p:style>
+        <p:txBody>
+          <a:bodyPr rtlCol="0" anchor="ctr"/>
+          <a:lstStyle/>
+          <a:p>
+            <a:pPr algn="ctr"/>
+            <a:r>
+              <a:rPr lang="ru-RU" sz="6000" b="1" dirty="0"/>
+              <a:t>Немного практики</a:t>
+            </a:r>
+            <a:r>
+              <a:rPr lang="en-US" sz="6000" b="1" dirty="0"/>
+              <a:t> #</a:t>
+            </a:r>
+            <a:r>
+              <a:rPr lang="ru-RU" sz="6000" b="1" dirty="0"/>
+              <a:t>5</a:t>
+            </a:r>
+            <a:endParaRPr lang="uk-UA" sz="6000" b="1" dirty="0"/>
+          </a:p>
+        </p:txBody>
+      </p:sp>
+    </p:spTree>
+    <p:extLst>
+      <p:ext uri="{BB962C8B-B14F-4D97-AF65-F5344CB8AC3E}">
+        <p14:creationId xmlns:p14="http://schemas.microsoft.com/office/powerpoint/2010/main" val="3482939532"/>
+      </p:ext>
+    </p:extLst>
+  </p:cSld>
+  <p:clrMapOvr>
+    <a:masterClrMapping/>
+  </p:clrMapOvr>
+</p:sld>
+</file>
+
+<file path=ppt/slides/slide26.xml><?xml version="1.0" encoding="utf-8"?>
+<p:sld xmlns:a="http://schemas.openxmlformats.org/drawingml/2006/main" xmlns:r="http://schemas.openxmlformats.org/officeDocument/2006/relationships" xmlns:p="http://schemas.openxmlformats.org/presentationml/2006/main">
+  <p:cSld>
+    <p:spTree>
+      <p:nvGrpSpPr>
+        <p:cNvPr id="1" name=""/>
+        <p:cNvGrpSpPr/>
+        <p:nvPr/>
+      </p:nvGrpSpPr>
+      <p:grpSpPr>
+        <a:xfrm>
+          <a:off x="0" y="0"/>
+          <a:ext cx="0" cy="0"/>
+          <a:chOff x="0" y="0"/>
+          <a:chExt cx="0" cy="0"/>
+        </a:xfrm>
+      </p:grpSpPr>
+      <p:sp>
+        <p:nvSpPr>
+          <p:cNvPr id="15" name="Номер слайда 36"/>
+          <p:cNvSpPr txBox="1">
+            <a:spLocks/>
+          </p:cNvSpPr>
+          <p:nvPr/>
+        </p:nvSpPr>
+        <p:spPr>
+          <a:xfrm>
+            <a:off x="11242750" y="6220488"/>
+            <a:ext cx="648072" cy="432048"/>
+          </a:xfrm>
+          <a:prstGeom prst="roundRect">
+            <a:avLst/>
+          </a:prstGeom>
+          <a:ln w="25400" cap="flat" cmpd="sng" algn="ctr">
+            <a:solidFill>
+              <a:schemeClr val="tx2">
+                <a:lumMod val="60000"/>
+                <a:lumOff val="40000"/>
+              </a:schemeClr>
+            </a:solidFill>
+            <a:prstDash val="solid"/>
+          </a:ln>
+        </p:spPr>
+        <p:style>
+          <a:lnRef idx="2">
+            <a:schemeClr val="accent1"/>
+          </a:lnRef>
+          <a:fillRef idx="1">
+            <a:schemeClr val="lt1"/>
+          </a:fillRef>
+          <a:effectRef idx="0">
+            <a:schemeClr val="accent1"/>
+          </a:effectRef>
+          <a:fontRef idx="minor">
+            <a:schemeClr val="dk1"/>
+          </a:fontRef>
+        </p:style>
+        <p:txBody>
+          <a:bodyPr vert="horz" lIns="91440" tIns="45720" rIns="91440" bIns="45720" rtlCol="0" anchor="ctr"/>
+          <a:lstStyle/>
+          <a:p>
+            <a:pPr algn="ctr">
+              <a:defRPr/>
+            </a:pPr>
+            <a:fld id="{6389AA22-90B4-448C-8B6B-C699140D38B9}" type="slidenum">
+              <a:rPr lang="uk-UA" sz="2400" b="1">
+                <a:solidFill>
+                  <a:schemeClr val="bg1">
+                    <a:lumMod val="50000"/>
+                  </a:schemeClr>
+                </a:solidFill>
+              </a:rPr>
+              <a:pPr algn="ctr">
+                <a:defRPr/>
+              </a:pPr>
+              <a:t>26</a:t>
             </a:fld>
             <a:endParaRPr lang="uk-UA" sz="2400" b="1" dirty="0">
               <a:solidFill>
@@ -7590,290 +8058,6 @@
     <p:extLst>
       <p:ext uri="{BB962C8B-B14F-4D97-AF65-F5344CB8AC3E}">
         <p14:creationId xmlns:p14="http://schemas.microsoft.com/office/powerpoint/2010/main" val="3195621098"/>
-      </p:ext>
-    </p:extLst>
-  </p:cSld>
-  <p:clrMapOvr>
-    <a:masterClrMapping/>
-  </p:clrMapOvr>
-</p:sld>
-</file>
-
-<file path=ppt/slides/slide25.xml><?xml version="1.0" encoding="utf-8"?>
-<p:sld xmlns:a="http://schemas.openxmlformats.org/drawingml/2006/main" xmlns:r="http://schemas.openxmlformats.org/officeDocument/2006/relationships" xmlns:p="http://schemas.openxmlformats.org/presentationml/2006/main">
-  <p:cSld>
-    <p:spTree>
-      <p:nvGrpSpPr>
-        <p:cNvPr id="1" name=""/>
-        <p:cNvGrpSpPr/>
-        <p:nvPr/>
-      </p:nvGrpSpPr>
-      <p:grpSpPr>
-        <a:xfrm>
-          <a:off x="0" y="0"/>
-          <a:ext cx="0" cy="0"/>
-          <a:chOff x="0" y="0"/>
-          <a:chExt cx="0" cy="0"/>
-        </a:xfrm>
-      </p:grpSpPr>
-      <p:sp>
-        <p:nvSpPr>
-          <p:cNvPr id="5" name="Прямоугольник 4"/>
-          <p:cNvSpPr/>
-          <p:nvPr/>
-        </p:nvSpPr>
-        <p:spPr>
-          <a:xfrm>
-            <a:off x="10862" y="-3698"/>
-            <a:ext cx="12192000" cy="6858000"/>
-          </a:xfrm>
-          <a:prstGeom prst="rect">
-            <a:avLst/>
-          </a:prstGeom>
-          <a:solidFill>
-            <a:srgbClr val="002060"/>
-          </a:solidFill>
-        </p:spPr>
-        <p:style>
-          <a:lnRef idx="2">
-            <a:schemeClr val="accent1">
-              <a:shade val="50000"/>
-            </a:schemeClr>
-          </a:lnRef>
-          <a:fillRef idx="1">
-            <a:schemeClr val="accent1"/>
-          </a:fillRef>
-          <a:effectRef idx="0">
-            <a:schemeClr val="accent1"/>
-          </a:effectRef>
-          <a:fontRef idx="minor">
-            <a:schemeClr val="lt1"/>
-          </a:fontRef>
-        </p:style>
-        <p:txBody>
-          <a:bodyPr rtlCol="0" anchor="ctr"/>
-          <a:lstStyle/>
-          <a:p>
-            <a:pPr algn="ctr"/>
-            <a:r>
-              <a:rPr lang="ru-RU" sz="6000" b="1" dirty="0"/>
-              <a:t>Немного практики</a:t>
-            </a:r>
-            <a:r>
-              <a:rPr lang="en-US" sz="6000" b="1" dirty="0"/>
-              <a:t> #6</a:t>
-            </a:r>
-            <a:endParaRPr lang="uk-UA" sz="6000" b="1" dirty="0"/>
-          </a:p>
-        </p:txBody>
-      </p:sp>
-    </p:spTree>
-    <p:extLst>
-      <p:ext uri="{BB962C8B-B14F-4D97-AF65-F5344CB8AC3E}">
-        <p14:creationId xmlns:p14="http://schemas.microsoft.com/office/powerpoint/2010/main" val="439336892"/>
-      </p:ext>
-    </p:extLst>
-  </p:cSld>
-  <p:clrMapOvr>
-    <a:masterClrMapping/>
-  </p:clrMapOvr>
-</p:sld>
-</file>
-
-<file path=ppt/slides/slide26.xml><?xml version="1.0" encoding="utf-8"?>
-<p:sld xmlns:a="http://schemas.openxmlformats.org/drawingml/2006/main" xmlns:r="http://schemas.openxmlformats.org/officeDocument/2006/relationships" xmlns:p="http://schemas.openxmlformats.org/presentationml/2006/main">
-  <p:cSld>
-    <p:spTree>
-      <p:nvGrpSpPr>
-        <p:cNvPr id="1" name=""/>
-        <p:cNvGrpSpPr/>
-        <p:nvPr/>
-      </p:nvGrpSpPr>
-      <p:grpSpPr>
-        <a:xfrm>
-          <a:off x="0" y="0"/>
-          <a:ext cx="0" cy="0"/>
-          <a:chOff x="0" y="0"/>
-          <a:chExt cx="0" cy="0"/>
-        </a:xfrm>
-      </p:grpSpPr>
-      <p:sp>
-        <p:nvSpPr>
-          <p:cNvPr id="15" name="Номер слайда 36"/>
-          <p:cNvSpPr txBox="1">
-            <a:spLocks/>
-          </p:cNvSpPr>
-          <p:nvPr/>
-        </p:nvSpPr>
-        <p:spPr>
-          <a:xfrm>
-            <a:off x="11242750" y="6220488"/>
-            <a:ext cx="648072" cy="432048"/>
-          </a:xfrm>
-          <a:prstGeom prst="roundRect">
-            <a:avLst/>
-          </a:prstGeom>
-          <a:ln w="25400" cap="flat" cmpd="sng" algn="ctr">
-            <a:solidFill>
-              <a:schemeClr val="tx2">
-                <a:lumMod val="60000"/>
-                <a:lumOff val="40000"/>
-              </a:schemeClr>
-            </a:solidFill>
-            <a:prstDash val="solid"/>
-          </a:ln>
-        </p:spPr>
-        <p:style>
-          <a:lnRef idx="2">
-            <a:schemeClr val="accent1"/>
-          </a:lnRef>
-          <a:fillRef idx="1">
-            <a:schemeClr val="lt1"/>
-          </a:fillRef>
-          <a:effectRef idx="0">
-            <a:schemeClr val="accent1"/>
-          </a:effectRef>
-          <a:fontRef idx="minor">
-            <a:schemeClr val="dk1"/>
-          </a:fontRef>
-        </p:style>
-        <p:txBody>
-          <a:bodyPr vert="horz" lIns="91440" tIns="45720" rIns="91440" bIns="45720" rtlCol="0" anchor="ctr"/>
-          <a:lstStyle/>
-          <a:p>
-            <a:pPr algn="ctr">
-              <a:defRPr/>
-            </a:pPr>
-            <a:fld id="{6389AA22-90B4-448C-8B6B-C699140D38B9}" type="slidenum">
-              <a:rPr lang="uk-UA" sz="2400" b="1">
-                <a:solidFill>
-                  <a:schemeClr val="bg1">
-                    <a:lumMod val="50000"/>
-                  </a:schemeClr>
-                </a:solidFill>
-              </a:rPr>
-              <a:pPr algn="ctr">
-                <a:defRPr/>
-              </a:pPr>
-              <a:t>26</a:t>
-            </a:fld>
-            <a:endParaRPr lang="uk-UA" sz="2400" b="1" dirty="0">
-              <a:solidFill>
-                <a:schemeClr val="bg1">
-                  <a:lumMod val="50000"/>
-                </a:schemeClr>
-              </a:solidFill>
-            </a:endParaRPr>
-          </a:p>
-        </p:txBody>
-      </p:sp>
-      <p:sp>
-        <p:nvSpPr>
-          <p:cNvPr id="43012" name="Rectangle 4"/>
-          <p:cNvSpPr>
-            <a:spLocks noChangeArrowheads="1"/>
-          </p:cNvSpPr>
-          <p:nvPr/>
-        </p:nvSpPr>
-        <p:spPr bwMode="auto">
-          <a:xfrm>
-            <a:off x="3287689" y="5247293"/>
-            <a:ext cx="65" cy="276999"/>
-          </a:xfrm>
-          <a:prstGeom prst="rect">
-            <a:avLst/>
-          </a:prstGeom>
-          <a:solidFill>
-            <a:srgbClr val="FFFFFF"/>
-          </a:solidFill>
-          <a:ln w="9525">
-            <a:noFill/>
-            <a:miter lim="800000"/>
-            <a:headEnd/>
-            <a:tailEnd/>
-          </a:ln>
-          <a:effectLst/>
-        </p:spPr>
-        <p:txBody>
-          <a:bodyPr vert="horz" wrap="none" lIns="0" tIns="0" rIns="0" bIns="0" numCol="1" anchor="ctr" anchorCtr="0" compatLnSpc="1">
-            <a:prstTxWarp prst="textNoShape">
-              <a:avLst/>
-            </a:prstTxWarp>
-            <a:spAutoFit/>
-          </a:bodyPr>
-          <a:lstStyle/>
-          <a:p>
-            <a:pPr fontAlgn="base">
-              <a:spcBef>
-                <a:spcPct val="0"/>
-              </a:spcBef>
-              <a:spcAft>
-                <a:spcPct val="0"/>
-              </a:spcAft>
-            </a:pPr>
-            <a:endParaRPr lang="ru-RU" dirty="0">
-              <a:latin typeface="Arial" pitchFamily="34" charset="0"/>
-              <a:cs typeface="Arial" pitchFamily="34" charset="0"/>
-            </a:endParaRPr>
-          </a:p>
-        </p:txBody>
-      </p:sp>
-      <p:sp>
-        <p:nvSpPr>
-          <p:cNvPr id="6" name="TextBox 5">
-            <a:extLst>
-              <a:ext uri="{FF2B5EF4-FFF2-40B4-BE49-F238E27FC236}">
-                <a16:creationId xmlns:a16="http://schemas.microsoft.com/office/drawing/2014/main" id="{8A480350-1295-4FAB-B86F-616F3FCDD71A}"/>
-              </a:ext>
-            </a:extLst>
-          </p:cNvPr>
-          <p:cNvSpPr txBox="1"/>
-          <p:nvPr/>
-        </p:nvSpPr>
-        <p:spPr>
-          <a:xfrm>
-            <a:off x="2999656" y="1772816"/>
-            <a:ext cx="6696744" cy="3108543"/>
-          </a:xfrm>
-          <a:prstGeom prst="rect">
-            <a:avLst/>
-          </a:prstGeom>
-          <a:noFill/>
-        </p:spPr>
-        <p:txBody>
-          <a:bodyPr wrap="square" rtlCol="0">
-            <a:spAutoFit/>
-          </a:bodyPr>
-          <a:lstStyle/>
-          <a:p>
-            <a:r>
-              <a:rPr lang="ru-RU" sz="2800" dirty="0"/>
-              <a:t>Есть массив из объектов в котором есть данные о имени человека и его оценке по ЗНО. Необходимо вывести список </a:t>
-            </a:r>
-            <a:r>
-              <a:rPr lang="ru-RU" sz="2800" b="1" dirty="0"/>
-              <a:t>ТОП-3</a:t>
-            </a:r>
-            <a:r>
-              <a:rPr lang="ru-RU" sz="2800" dirty="0"/>
-              <a:t> лучших по результатам сдачи ЗНО. Считаем, что людей с одинаковой оценкой в списке нет. </a:t>
-            </a:r>
-            <a:r>
-              <a:rPr lang="ru-RU" sz="2800" i="1" dirty="0"/>
-              <a:t>Порядок оригинального массива не должен быть нарушен</a:t>
-            </a:r>
-            <a:r>
-              <a:rPr lang="ru-RU" sz="2800" dirty="0"/>
-              <a:t>.</a:t>
-            </a:r>
-            <a:endParaRPr lang="uk-UA" sz="2800" dirty="0"/>
-          </a:p>
-        </p:txBody>
-      </p:sp>
-    </p:spTree>
-    <p:extLst>
-      <p:ext uri="{BB962C8B-B14F-4D97-AF65-F5344CB8AC3E}">
-        <p14:creationId xmlns:p14="http://schemas.microsoft.com/office/powerpoint/2010/main" val="418182098"/>
       </p:ext>
     </p:extLst>
   </p:cSld>

--- a/lesson03.pptx
+++ b/lesson03.pptx
@@ -169,10 +169,25 @@
   <pc:docChgLst>
     <pc:chgData name="Anatoliy Kigel" userId="7432c6c4687b0a9c" providerId="LiveId" clId="{2F8F9F80-C6B2-4070-94A7-BA44FFDF245B}"/>
     <pc:docChg chg="custSel addSld delSld modSld sldOrd">
-      <pc:chgData name="Anatoliy Kigel" userId="7432c6c4687b0a9c" providerId="LiveId" clId="{2F8F9F80-C6B2-4070-94A7-BA44FFDF245B}" dt="2021-02-13T07:48:06.283" v="784" actId="47"/>
+      <pc:chgData name="Anatoliy Kigel" userId="7432c6c4687b0a9c" providerId="LiveId" clId="{2F8F9F80-C6B2-4070-94A7-BA44FFDF245B}" dt="2021-02-13T18:16:29.641" v="796" actId="1036"/>
       <pc:docMkLst>
         <pc:docMk/>
       </pc:docMkLst>
+      <pc:sldChg chg="modSp mod">
+        <pc:chgData name="Anatoliy Kigel" userId="7432c6c4687b0a9c" providerId="LiveId" clId="{2F8F9F80-C6B2-4070-94A7-BA44FFDF245B}" dt="2021-02-13T18:16:20.141" v="789" actId="1076"/>
+        <pc:sldMkLst>
+          <pc:docMk/>
+          <pc:sldMk cId="3972583651" sldId="439"/>
+        </pc:sldMkLst>
+        <pc:spChg chg="mod">
+          <ac:chgData name="Anatoliy Kigel" userId="7432c6c4687b0a9c" providerId="LiveId" clId="{2F8F9F80-C6B2-4070-94A7-BA44FFDF245B}" dt="2021-02-13T18:16:20.141" v="789" actId="1076"/>
+          <ac:spMkLst>
+            <pc:docMk/>
+            <pc:sldMk cId="3972583651" sldId="439"/>
+            <ac:spMk id="11" creationId="{9C74705F-3405-418B-8475-F2B961F72A3F}"/>
+          </ac:spMkLst>
+        </pc:spChg>
+      </pc:sldChg>
       <pc:sldChg chg="modSp add del mod">
         <pc:chgData name="Anatoliy Kigel" userId="7432c6c4687b0a9c" providerId="LiveId" clId="{2F8F9F80-C6B2-4070-94A7-BA44FFDF245B}" dt="2021-02-13T07:48:06.283" v="784" actId="47"/>
         <pc:sldMkLst>
@@ -267,7 +282,7 @@
         </pc:spChg>
       </pc:sldChg>
       <pc:sldChg chg="addSp modSp add mod">
-        <pc:chgData name="Anatoliy Kigel" userId="7432c6c4687b0a9c" providerId="LiveId" clId="{2F8F9F80-C6B2-4070-94A7-BA44FFDF245B}" dt="2021-02-13T07:47:59.700" v="783" actId="6549"/>
+        <pc:chgData name="Anatoliy Kigel" userId="7432c6c4687b0a9c" providerId="LiveId" clId="{2F8F9F80-C6B2-4070-94A7-BA44FFDF245B}" dt="2021-02-13T18:16:29.641" v="796" actId="1036"/>
         <pc:sldMkLst>
           <pc:docMk/>
           <pc:sldMk cId="3261584014" sldId="445"/>
@@ -281,7 +296,7 @@
           </ac:spMkLst>
         </pc:spChg>
         <pc:spChg chg="mod">
-          <ac:chgData name="Anatoliy Kigel" userId="7432c6c4687b0a9c" providerId="LiveId" clId="{2F8F9F80-C6B2-4070-94A7-BA44FFDF245B}" dt="2021-02-13T07:47:52.108" v="774" actId="20577"/>
+          <ac:chgData name="Anatoliy Kigel" userId="7432c6c4687b0a9c" providerId="LiveId" clId="{2F8F9F80-C6B2-4070-94A7-BA44FFDF245B}" dt="2021-02-13T18:16:29.641" v="796" actId="1036"/>
           <ac:spMkLst>
             <pc:docMk/>
             <pc:sldMk cId="3261584014" sldId="445"/>
@@ -4404,8 +4419,8 @@
         </p:nvSpPr>
         <p:spPr>
           <a:xfrm>
-            <a:off x="2495600" y="2348880"/>
-            <a:ext cx="7704593" cy="2554545"/>
+            <a:off x="2279576" y="2397948"/>
+            <a:ext cx="8746689" cy="2062103"/>
           </a:xfrm>
           <a:prstGeom prst="rect">
             <a:avLst/>
@@ -4420,7 +4435,15 @@
           <a:p>
             <a:r>
               <a:rPr lang="ru-RU" sz="3200" dirty="0"/>
-              <a:t>В книге N страниц, пронумерованных как обычно от</a:t>
+              <a:t>В книге </a:t>
+            </a:r>
+            <a:r>
+              <a:rPr lang="ru-RU" sz="3200" b="1" dirty="0"/>
+              <a:t>N</a:t>
+            </a:r>
+            <a:r>
+              <a:rPr lang="ru-RU" sz="3200" dirty="0"/>
+              <a:t> страниц, пронумерованных как обычно от</a:t>
             </a:r>
             <a:r>
               <a:rPr lang="ru-RU" sz="3200" b="1" dirty="0"/>
@@ -4428,7 +4451,15 @@
             </a:r>
             <a:r>
               <a:rPr lang="ru-RU" sz="3200" dirty="0"/>
-              <a:t>до N. Если сложить количество цифр, содержащихся в каждом номере страницы, будет </a:t>
+              <a:t>до </a:t>
+            </a:r>
+            <a:r>
+              <a:rPr lang="ru-RU" sz="3200" b="1" dirty="0"/>
+              <a:t>N</a:t>
+            </a:r>
+            <a:r>
+              <a:rPr lang="ru-RU" sz="3200" dirty="0"/>
+              <a:t>. Если сложить количество цифр, содержащихся в каждом номере страницы, будет </a:t>
             </a:r>
             <a:r>
               <a:rPr lang="ru-RU" sz="3200" b="1" dirty="0"/>
@@ -6961,7 +6992,7 @@
         </p:nvSpPr>
         <p:spPr>
           <a:xfrm>
-            <a:off x="2999656" y="1772816"/>
+            <a:off x="2999656" y="2262351"/>
             <a:ext cx="6696744" cy="2246769"/>
           </a:xfrm>
           <a:prstGeom prst="rect">
